--- a/Notes and Primers/research proposal ppt.pptx
+++ b/Notes and Primers/research proposal ppt.pptx
@@ -5,7 +5,7 @@
     <p:sldMasterId id="2147483750" r:id="rId1"/>
   </p:sldMasterIdLst>
   <p:notesMasterIdLst>
-    <p:notesMasterId r:id="rId16"/>
+    <p:notesMasterId r:id="rId18"/>
   </p:notesMasterIdLst>
   <p:sldIdLst>
     <p:sldId id="256" r:id="rId2"/>
@@ -15,13 +15,15 @@
     <p:sldId id="258" r:id="rId6"/>
     <p:sldId id="271" r:id="rId7"/>
     <p:sldId id="267" r:id="rId8"/>
-    <p:sldId id="260" r:id="rId9"/>
-    <p:sldId id="262" r:id="rId10"/>
-    <p:sldId id="269" r:id="rId11"/>
-    <p:sldId id="261" r:id="rId12"/>
-    <p:sldId id="265" r:id="rId13"/>
-    <p:sldId id="266" r:id="rId14"/>
-    <p:sldId id="270" r:id="rId15"/>
+    <p:sldId id="273" r:id="rId9"/>
+    <p:sldId id="274" r:id="rId10"/>
+    <p:sldId id="272" r:id="rId11"/>
+    <p:sldId id="260" r:id="rId12"/>
+    <p:sldId id="262" r:id="rId13"/>
+    <p:sldId id="269" r:id="rId14"/>
+    <p:sldId id="261" r:id="rId15"/>
+    <p:sldId id="265" r:id="rId16"/>
+    <p:sldId id="266" r:id="rId17"/>
   </p:sldIdLst>
   <p:sldSz cx="12192000" cy="6858000"/>
   <p:notesSz cx="6858000" cy="9144000"/>
@@ -120,6 +122,11 @@
       </a:defRPr>
     </a:lvl9pPr>
   </p:defaultTextStyle>
+  <p:extLst>
+    <p:ext uri="{EFAFB233-063F-42B5-8137-9DF3F51BA10A}">
+      <p15:sldGuideLst xmlns:p15="http://schemas.microsoft.com/office/powerpoint/2012/main"/>
+    </p:ext>
+  </p:extLst>
 </p:presentation>
 </file>
 
@@ -205,7 +212,7 @@
           <a:p>
             <a:fld id="{391A50BD-A636-418D-B0E5-DD80ACB1AC70}" type="datetimeFigureOut">
               <a:rPr lang="nl-NL" smtClean="0"/>
-              <a:t>13-5-2019</a:t>
+              <a:t>14-5-2019</a:t>
             </a:fld>
             <a:endParaRPr lang="nl-NL"/>
           </a:p>
@@ -754,114 +761,6 @@
           <a:bodyPr/>
           <a:lstStyle/>
           <a:p>
-            <a:r>
-              <a:rPr lang="en-US" sz="1200" kern="1200" dirty="0">
-                <a:solidFill>
-                  <a:schemeClr val="tx1"/>
-                </a:solidFill>
-                <a:effectLst/>
-                <a:latin typeface="+mn-lt"/>
-                <a:ea typeface="+mn-ea"/>
-                <a:cs typeface="+mn-cs"/>
-              </a:rPr>
-              <a:t>Perfect skin regeneration of burn wounds remains a challenge. There is still a lack of fundamental understanding of the interactions between different cell types, complex cell </a:t>
-            </a:r>
-            <a:r>
-              <a:rPr lang="en-US" sz="1200" kern="1200" dirty="0" err="1">
-                <a:solidFill>
-                  <a:schemeClr val="tx1"/>
-                </a:solidFill>
-                <a:effectLst/>
-                <a:latin typeface="+mn-lt"/>
-                <a:ea typeface="+mn-ea"/>
-                <a:cs typeface="+mn-cs"/>
-              </a:rPr>
-              <a:t>signalling</a:t>
-            </a:r>
-            <a:r>
-              <a:rPr lang="en-US" sz="1200" kern="1200" dirty="0">
-                <a:solidFill>
-                  <a:schemeClr val="tx1"/>
-                </a:solidFill>
-                <a:effectLst/>
-                <a:latin typeface="+mn-lt"/>
-                <a:ea typeface="+mn-ea"/>
-                <a:cs typeface="+mn-cs"/>
-              </a:rPr>
-              <a:t> networks and mechanical feedback loops during the wound healing process. Previous efforts have focused on constructing dynamic computational frameworks simulating cutaneous wound healing [1,2,3], but have not focused on burn wound healing.  </a:t>
-            </a:r>
-            <a:endParaRPr lang="nl-NL" sz="1200" kern="1200" dirty="0">
-              <a:solidFill>
-                <a:schemeClr val="tx1"/>
-              </a:solidFill>
-              <a:effectLst/>
-              <a:latin typeface="+mn-lt"/>
-              <a:ea typeface="+mn-ea"/>
-              <a:cs typeface="+mn-cs"/>
-            </a:endParaRPr>
-          </a:p>
-          <a:p>
-            <a:r>
-              <a:rPr lang="en-US" sz="1200" kern="1200" dirty="0">
-                <a:solidFill>
-                  <a:schemeClr val="tx1"/>
-                </a:solidFill>
-                <a:effectLst/>
-                <a:latin typeface="+mn-lt"/>
-                <a:ea typeface="+mn-ea"/>
-                <a:cs typeface="+mn-cs"/>
-              </a:rPr>
-              <a:t>In addition, dynamic computational models have been used to study the inflammation process in wound healing. </a:t>
-            </a:r>
-            <a:r>
-              <a:rPr lang="en-US" sz="1200" kern="1200" dirty="0" err="1">
-                <a:solidFill>
-                  <a:schemeClr val="tx1"/>
-                </a:solidFill>
-                <a:effectLst/>
-                <a:latin typeface="+mn-lt"/>
-                <a:ea typeface="+mn-ea"/>
-                <a:cs typeface="+mn-cs"/>
-              </a:rPr>
-              <a:t>Presbitero</a:t>
-            </a:r>
-            <a:r>
-              <a:rPr lang="en-US" sz="1200" kern="1200" dirty="0">
-                <a:solidFill>
-                  <a:schemeClr val="tx1"/>
-                </a:solidFill>
-                <a:effectLst/>
-                <a:latin typeface="+mn-lt"/>
-                <a:ea typeface="+mn-ea"/>
-                <a:cs typeface="+mn-cs"/>
-              </a:rPr>
-              <a:t> et al. [4] constructed a validated numerical systemic inflammation model under clinical treatment conditions of the Alkaline Phosphatase enzyme. Alkaline phosphatase (AP) exhibits anti-inflammatory effects by dephosphorylating inflammation triggering moieties (ITMs) like bacterial lipopolysaccharides and extracellular nucleotides.</a:t>
-            </a:r>
-            <a:endParaRPr lang="nl-NL" sz="1200" kern="1200" dirty="0">
-              <a:solidFill>
-                <a:schemeClr val="tx1"/>
-              </a:solidFill>
-              <a:effectLst/>
-              <a:latin typeface="+mn-lt"/>
-              <a:ea typeface="+mn-ea"/>
-              <a:cs typeface="+mn-cs"/>
-            </a:endParaRPr>
-          </a:p>
-          <a:p>
-            <a:r>
-              <a:rPr lang="en-US" sz="1200" kern="1200" dirty="0">
-                <a:solidFill>
-                  <a:schemeClr val="tx1"/>
-                </a:solidFill>
-                <a:effectLst/>
-                <a:latin typeface="+mn-lt"/>
-                <a:ea typeface="+mn-ea"/>
-                <a:cs typeface="+mn-cs"/>
-              </a:rPr>
-              <a:t> These models are all not burn wound specific, therefore adjustments or an expansion of these models are demanded, to simulate the burn wound procedure.  The link between the AP model and the cutaneous wound healing models, has not been investigated/found yet. By first performing a literature review focused on possible connections, this will be investigated. Constructing a computational model simulating burn wound healing would be a step forward towards a better understanding of dynamical adaptation to heal burn wounds. </a:t>
-            </a:r>
-          </a:p>
-          <a:p>
             <a:endParaRPr lang="en-US" sz="1200" kern="1200" dirty="0">
               <a:solidFill>
                 <a:schemeClr val="tx1"/>
@@ -892,7 +791,7 @@
             </a:pPr>
             <a:r>
               <a:rPr lang="en-US" dirty="0"/>
-              <a:t>ABM: simulating the actions and interactions of autonomous agents (both individual or collective entities such as organizations or groups) with a view to assessing their effects on the system as a whole</a:t>
+              <a:t>ABM: (both individual or collective entities such as organizations or groups) with a view to assessing their effects on the system as a whole</a:t>
             </a:r>
           </a:p>
           <a:p>
@@ -905,6 +804,104 @@
               <a:ea typeface="+mn-ea"/>
               <a:cs typeface="+mn-cs"/>
             </a:endParaRPr>
+          </a:p>
+          <a:p>
+            <a:r>
+              <a:rPr lang="en-US" sz="1200" b="0" i="0" kern="1200" dirty="0">
+                <a:solidFill>
+                  <a:schemeClr val="tx1"/>
+                </a:solidFill>
+                <a:effectLst/>
+                <a:latin typeface="+mn-lt"/>
+                <a:ea typeface="+mn-ea"/>
+                <a:cs typeface="+mn-cs"/>
+              </a:rPr>
+              <a:t>Although epidemiological ABMs and EBMs share common </a:t>
+            </a:r>
+          </a:p>
+          <a:p>
+            <a:r>
+              <a:rPr lang="en-US" sz="1200" b="0" i="0" kern="1200" dirty="0">
+                <a:solidFill>
+                  <a:schemeClr val="tx1"/>
+                </a:solidFill>
+                <a:effectLst/>
+                <a:latin typeface="+mn-lt"/>
+                <a:ea typeface="+mn-ea"/>
+                <a:cs typeface="+mn-cs"/>
+              </a:rPr>
+              <a:t>goals, they differ in how they model the fundamental </a:t>
+            </a:r>
+          </a:p>
+          <a:p>
+            <a:r>
+              <a:rPr lang="en-US" sz="1200" b="0" i="0" kern="1200" dirty="0">
+                <a:solidFill>
+                  <a:schemeClr val="tx1"/>
+                </a:solidFill>
+                <a:effectLst/>
+                <a:latin typeface="+mn-lt"/>
+                <a:ea typeface="+mn-ea"/>
+                <a:cs typeface="+mn-cs"/>
+              </a:rPr>
+              <a:t>relationships among entities and attention to the level-of-</a:t>
+            </a:r>
+          </a:p>
+          <a:p>
+            <a:r>
+              <a:rPr lang="en-US" sz="1200" b="0" i="0" kern="1200" dirty="0">
+                <a:solidFill>
+                  <a:schemeClr val="tx1"/>
+                </a:solidFill>
+                <a:effectLst/>
+                <a:latin typeface="+mn-lt"/>
+                <a:ea typeface="+mn-ea"/>
+                <a:cs typeface="+mn-cs"/>
+              </a:rPr>
+              <a:t>detail. Both approaches operate in a world that includes </a:t>
+            </a:r>
+          </a:p>
+          <a:p>
+            <a:r>
+              <a:rPr lang="en-US" sz="1200" b="0" i="0" kern="1200" dirty="0">
+                <a:solidFill>
+                  <a:schemeClr val="tx1"/>
+                </a:solidFill>
+                <a:effectLst/>
+                <a:latin typeface="+mn-lt"/>
+                <a:ea typeface="+mn-ea"/>
+                <a:cs typeface="+mn-cs"/>
+              </a:rPr>
+              <a:t>entities and observables tracked over a temporal period. </a:t>
+            </a:r>
+          </a:p>
+          <a:p>
+            <a:r>
+              <a:rPr lang="en-US" sz="1200" b="0" i="0" kern="1200" dirty="0">
+                <a:solidFill>
+                  <a:schemeClr val="tx1"/>
+                </a:solidFill>
+                <a:effectLst/>
+                <a:latin typeface="+mn-lt"/>
+                <a:ea typeface="+mn-ea"/>
+                <a:cs typeface="+mn-cs"/>
+              </a:rPr>
+              <a:t>Observables within the models are measurable characteristics </a:t>
+            </a:r>
+          </a:p>
+          <a:p>
+            <a:r>
+              <a:rPr lang="en-US" sz="1200" b="0" i="0" kern="1200" dirty="0">
+                <a:solidFill>
+                  <a:schemeClr val="tx1"/>
+                </a:solidFill>
+                <a:effectLst/>
+                <a:latin typeface="+mn-lt"/>
+                <a:ea typeface="+mn-ea"/>
+                <a:cs typeface="+mn-cs"/>
+              </a:rPr>
+              <a:t>of actionable interest. </a:t>
+            </a:r>
           </a:p>
           <a:p>
             <a:endParaRPr lang="nl-NL" dirty="0"/>
@@ -1012,7 +1009,259 @@
           <a:p>
             <a:fld id="{F924AD4D-05E5-44FD-9C92-6E79E895C1C8}" type="slidenum">
               <a:rPr lang="nl-NL" smtClean="0"/>
+              <a:t>8</a:t>
+            </a:fld>
+            <a:endParaRPr lang="nl-NL"/>
+          </a:p>
+        </p:txBody>
+      </p:sp>
+    </p:spTree>
+    <p:extLst>
+      <p:ext uri="{BB962C8B-B14F-4D97-AF65-F5344CB8AC3E}">
+        <p14:creationId xmlns:p14="http://schemas.microsoft.com/office/powerpoint/2010/main" val="3186625973"/>
+      </p:ext>
+    </p:extLst>
+  </p:cSld>
+  <p:clrMapOvr>
+    <a:masterClrMapping/>
+  </p:clrMapOvr>
+</p:notes>
+</file>
+
+<file path=ppt/notesSlides/notesSlide4.xml><?xml version="1.0" encoding="utf-8"?>
+<p:notes xmlns:a="http://schemas.openxmlformats.org/drawingml/2006/main" xmlns:r="http://schemas.openxmlformats.org/officeDocument/2006/relationships" xmlns:p="http://schemas.openxmlformats.org/presentationml/2006/main">
+  <p:cSld>
+    <p:spTree>
+      <p:nvGrpSpPr>
+        <p:cNvPr id="1" name=""/>
+        <p:cNvGrpSpPr/>
+        <p:nvPr/>
+      </p:nvGrpSpPr>
+      <p:grpSpPr>
+        <a:xfrm>
+          <a:off x="0" y="0"/>
+          <a:ext cx="0" cy="0"/>
+          <a:chOff x="0" y="0"/>
+          <a:chExt cx="0" cy="0"/>
+        </a:xfrm>
+      </p:grpSpPr>
+      <p:sp>
+        <p:nvSpPr>
+          <p:cNvPr id="2" name="Slide Image Placeholder 1"/>
+          <p:cNvSpPr>
+            <a:spLocks noGrp="1" noRot="1" noChangeAspect="1"/>
+          </p:cNvSpPr>
+          <p:nvPr>
+            <p:ph type="sldImg"/>
+          </p:nvPr>
+        </p:nvSpPr>
+        <p:spPr/>
+      </p:sp>
+      <p:sp>
+        <p:nvSpPr>
+          <p:cNvPr id="3" name="Notes Placeholder 2"/>
+          <p:cNvSpPr>
+            <a:spLocks noGrp="1"/>
+          </p:cNvSpPr>
+          <p:nvPr>
+            <p:ph type="body" idx="1"/>
+          </p:nvPr>
+        </p:nvSpPr>
+        <p:spPr/>
+        <p:txBody>
+          <a:bodyPr/>
+          <a:lstStyle/>
+          <a:p>
+            <a:endParaRPr lang="nl-NL" dirty="0"/>
+          </a:p>
+        </p:txBody>
+      </p:sp>
+      <p:sp>
+        <p:nvSpPr>
+          <p:cNvPr id="4" name="Slide Number Placeholder 3"/>
+          <p:cNvSpPr>
+            <a:spLocks noGrp="1"/>
+          </p:cNvSpPr>
+          <p:nvPr>
+            <p:ph type="sldNum" sz="quarter" idx="5"/>
+          </p:nvPr>
+        </p:nvSpPr>
+        <p:spPr/>
+        <p:txBody>
+          <a:bodyPr/>
+          <a:lstStyle/>
+          <a:p>
+            <a:fld id="{F924AD4D-05E5-44FD-9C92-6E79E895C1C8}" type="slidenum">
+              <a:rPr lang="nl-NL" smtClean="0"/>
               <a:t>9</a:t>
+            </a:fld>
+            <a:endParaRPr lang="nl-NL"/>
+          </a:p>
+        </p:txBody>
+      </p:sp>
+    </p:spTree>
+    <p:extLst>
+      <p:ext uri="{BB962C8B-B14F-4D97-AF65-F5344CB8AC3E}">
+        <p14:creationId xmlns:p14="http://schemas.microsoft.com/office/powerpoint/2010/main" val="2387959987"/>
+      </p:ext>
+    </p:extLst>
+  </p:cSld>
+  <p:clrMapOvr>
+    <a:masterClrMapping/>
+  </p:clrMapOvr>
+</p:notes>
+</file>
+
+<file path=ppt/notesSlides/notesSlide5.xml><?xml version="1.0" encoding="utf-8"?>
+<p:notes xmlns:a="http://schemas.openxmlformats.org/drawingml/2006/main" xmlns:r="http://schemas.openxmlformats.org/officeDocument/2006/relationships" xmlns:p="http://schemas.openxmlformats.org/presentationml/2006/main">
+  <p:cSld>
+    <p:spTree>
+      <p:nvGrpSpPr>
+        <p:cNvPr id="1" name=""/>
+        <p:cNvGrpSpPr/>
+        <p:nvPr/>
+      </p:nvGrpSpPr>
+      <p:grpSpPr>
+        <a:xfrm>
+          <a:off x="0" y="0"/>
+          <a:ext cx="0" cy="0"/>
+          <a:chOff x="0" y="0"/>
+          <a:chExt cx="0" cy="0"/>
+        </a:xfrm>
+      </p:grpSpPr>
+      <p:sp>
+        <p:nvSpPr>
+          <p:cNvPr id="2" name="Slide Image Placeholder 1"/>
+          <p:cNvSpPr>
+            <a:spLocks noGrp="1" noRot="1" noChangeAspect="1"/>
+          </p:cNvSpPr>
+          <p:nvPr>
+            <p:ph type="sldImg"/>
+          </p:nvPr>
+        </p:nvSpPr>
+        <p:spPr/>
+      </p:sp>
+      <p:sp>
+        <p:nvSpPr>
+          <p:cNvPr id="3" name="Notes Placeholder 2"/>
+          <p:cNvSpPr>
+            <a:spLocks noGrp="1"/>
+          </p:cNvSpPr>
+          <p:nvPr>
+            <p:ph type="body" idx="1"/>
+          </p:nvPr>
+        </p:nvSpPr>
+        <p:spPr/>
+        <p:txBody>
+          <a:bodyPr/>
+          <a:lstStyle/>
+          <a:p>
+            <a:endParaRPr lang="nl-NL" dirty="0"/>
+          </a:p>
+        </p:txBody>
+      </p:sp>
+      <p:sp>
+        <p:nvSpPr>
+          <p:cNvPr id="4" name="Slide Number Placeholder 3"/>
+          <p:cNvSpPr>
+            <a:spLocks noGrp="1"/>
+          </p:cNvSpPr>
+          <p:nvPr>
+            <p:ph type="sldNum" sz="quarter" idx="5"/>
+          </p:nvPr>
+        </p:nvSpPr>
+        <p:spPr/>
+        <p:txBody>
+          <a:bodyPr/>
+          <a:lstStyle/>
+          <a:p>
+            <a:fld id="{F924AD4D-05E5-44FD-9C92-6E79E895C1C8}" type="slidenum">
+              <a:rPr lang="nl-NL" smtClean="0"/>
+              <a:t>10</a:t>
+            </a:fld>
+            <a:endParaRPr lang="nl-NL"/>
+          </a:p>
+        </p:txBody>
+      </p:sp>
+    </p:spTree>
+    <p:extLst>
+      <p:ext uri="{BB962C8B-B14F-4D97-AF65-F5344CB8AC3E}">
+        <p14:creationId xmlns:p14="http://schemas.microsoft.com/office/powerpoint/2010/main" val="1496391420"/>
+      </p:ext>
+    </p:extLst>
+  </p:cSld>
+  <p:clrMapOvr>
+    <a:masterClrMapping/>
+  </p:clrMapOvr>
+</p:notes>
+</file>
+
+<file path=ppt/notesSlides/notesSlide6.xml><?xml version="1.0" encoding="utf-8"?>
+<p:notes xmlns:a="http://schemas.openxmlformats.org/drawingml/2006/main" xmlns:r="http://schemas.openxmlformats.org/officeDocument/2006/relationships" xmlns:p="http://schemas.openxmlformats.org/presentationml/2006/main">
+  <p:cSld>
+    <p:spTree>
+      <p:nvGrpSpPr>
+        <p:cNvPr id="1" name=""/>
+        <p:cNvGrpSpPr/>
+        <p:nvPr/>
+      </p:nvGrpSpPr>
+      <p:grpSpPr>
+        <a:xfrm>
+          <a:off x="0" y="0"/>
+          <a:ext cx="0" cy="0"/>
+          <a:chOff x="0" y="0"/>
+          <a:chExt cx="0" cy="0"/>
+        </a:xfrm>
+      </p:grpSpPr>
+      <p:sp>
+        <p:nvSpPr>
+          <p:cNvPr id="2" name="Slide Image Placeholder 1"/>
+          <p:cNvSpPr>
+            <a:spLocks noGrp="1" noRot="1" noChangeAspect="1"/>
+          </p:cNvSpPr>
+          <p:nvPr>
+            <p:ph type="sldImg"/>
+          </p:nvPr>
+        </p:nvSpPr>
+        <p:spPr/>
+      </p:sp>
+      <p:sp>
+        <p:nvSpPr>
+          <p:cNvPr id="3" name="Notes Placeholder 2"/>
+          <p:cNvSpPr>
+            <a:spLocks noGrp="1"/>
+          </p:cNvSpPr>
+          <p:nvPr>
+            <p:ph type="body" idx="1"/>
+          </p:nvPr>
+        </p:nvSpPr>
+        <p:spPr/>
+        <p:txBody>
+          <a:bodyPr/>
+          <a:lstStyle/>
+          <a:p>
+            <a:endParaRPr lang="nl-NL" dirty="0"/>
+          </a:p>
+        </p:txBody>
+      </p:sp>
+      <p:sp>
+        <p:nvSpPr>
+          <p:cNvPr id="4" name="Slide Number Placeholder 3"/>
+          <p:cNvSpPr>
+            <a:spLocks noGrp="1"/>
+          </p:cNvSpPr>
+          <p:nvPr>
+            <p:ph type="sldNum" sz="quarter" idx="5"/>
+          </p:nvPr>
+        </p:nvSpPr>
+        <p:spPr/>
+        <p:txBody>
+          <a:bodyPr/>
+          <a:lstStyle/>
+          <a:p>
+            <a:fld id="{F924AD4D-05E5-44FD-9C92-6E79E895C1C8}" type="slidenum">
+              <a:rPr lang="nl-NL" smtClean="0"/>
+              <a:t>12</a:t>
             </a:fld>
             <a:endParaRPr lang="nl-NL"/>
           </a:p>
@@ -1022,6 +1271,90 @@
     <p:extLst>
       <p:ext uri="{BB962C8B-B14F-4D97-AF65-F5344CB8AC3E}">
         <p14:creationId xmlns:p14="http://schemas.microsoft.com/office/powerpoint/2010/main" val="3725363743"/>
+      </p:ext>
+    </p:extLst>
+  </p:cSld>
+  <p:clrMapOvr>
+    <a:masterClrMapping/>
+  </p:clrMapOvr>
+</p:notes>
+</file>
+
+<file path=ppt/notesSlides/notesSlide7.xml><?xml version="1.0" encoding="utf-8"?>
+<p:notes xmlns:a="http://schemas.openxmlformats.org/drawingml/2006/main" xmlns:r="http://schemas.openxmlformats.org/officeDocument/2006/relationships" xmlns:p="http://schemas.openxmlformats.org/presentationml/2006/main">
+  <p:cSld>
+    <p:spTree>
+      <p:nvGrpSpPr>
+        <p:cNvPr id="1" name=""/>
+        <p:cNvGrpSpPr/>
+        <p:nvPr/>
+      </p:nvGrpSpPr>
+      <p:grpSpPr>
+        <a:xfrm>
+          <a:off x="0" y="0"/>
+          <a:ext cx="0" cy="0"/>
+          <a:chOff x="0" y="0"/>
+          <a:chExt cx="0" cy="0"/>
+        </a:xfrm>
+      </p:grpSpPr>
+      <p:sp>
+        <p:nvSpPr>
+          <p:cNvPr id="2" name="Slide Image Placeholder 1"/>
+          <p:cNvSpPr>
+            <a:spLocks noGrp="1" noRot="1" noChangeAspect="1"/>
+          </p:cNvSpPr>
+          <p:nvPr>
+            <p:ph type="sldImg"/>
+          </p:nvPr>
+        </p:nvSpPr>
+        <p:spPr/>
+      </p:sp>
+      <p:sp>
+        <p:nvSpPr>
+          <p:cNvPr id="3" name="Notes Placeholder 2"/>
+          <p:cNvSpPr>
+            <a:spLocks noGrp="1"/>
+          </p:cNvSpPr>
+          <p:nvPr>
+            <p:ph type="body" idx="1"/>
+          </p:nvPr>
+        </p:nvSpPr>
+        <p:spPr/>
+        <p:txBody>
+          <a:bodyPr/>
+          <a:lstStyle/>
+          <a:p>
+            <a:endParaRPr lang="nl-NL" dirty="0"/>
+          </a:p>
+        </p:txBody>
+      </p:sp>
+      <p:sp>
+        <p:nvSpPr>
+          <p:cNvPr id="4" name="Slide Number Placeholder 3"/>
+          <p:cNvSpPr>
+            <a:spLocks noGrp="1"/>
+          </p:cNvSpPr>
+          <p:nvPr>
+            <p:ph type="sldNum" sz="quarter" idx="5"/>
+          </p:nvPr>
+        </p:nvSpPr>
+        <p:spPr/>
+        <p:txBody>
+          <a:bodyPr/>
+          <a:lstStyle/>
+          <a:p>
+            <a:fld id="{F924AD4D-05E5-44FD-9C92-6E79E895C1C8}" type="slidenum">
+              <a:rPr lang="nl-NL" smtClean="0"/>
+              <a:t>13</a:t>
+            </a:fld>
+            <a:endParaRPr lang="nl-NL"/>
+          </a:p>
+        </p:txBody>
+      </p:sp>
+    </p:spTree>
+    <p:extLst>
+      <p:ext uri="{BB962C8B-B14F-4D97-AF65-F5344CB8AC3E}">
+        <p14:creationId xmlns:p14="http://schemas.microsoft.com/office/powerpoint/2010/main" val="1286965407"/>
       </p:ext>
     </p:extLst>
   </p:cSld>
@@ -1257,7 +1590,7 @@
           <a:p>
             <a:fld id="{E9125684-C550-4FD4-B350-720158561533}" type="datetimeFigureOut">
               <a:rPr lang="nl-NL" smtClean="0"/>
-              <a:t>13-5-2019</a:t>
+              <a:t>14-5-2019</a:t>
             </a:fld>
             <a:endParaRPr lang="nl-NL"/>
           </a:p>
@@ -1465,7 +1798,7 @@
           <a:p>
             <a:fld id="{E9125684-C550-4FD4-B350-720158561533}" type="datetimeFigureOut">
               <a:rPr lang="nl-NL" smtClean="0"/>
-              <a:t>13-5-2019</a:t>
+              <a:t>14-5-2019</a:t>
             </a:fld>
             <a:endParaRPr lang="nl-NL"/>
           </a:p>
@@ -1721,7 +2054,7 @@
           <a:p>
             <a:fld id="{E9125684-C550-4FD4-B350-720158561533}" type="datetimeFigureOut">
               <a:rPr lang="nl-NL" smtClean="0"/>
-              <a:t>13-5-2019</a:t>
+              <a:t>14-5-2019</a:t>
             </a:fld>
             <a:endParaRPr lang="nl-NL"/>
           </a:p>
@@ -1891,7 +2224,7 @@
           <a:p>
             <a:fld id="{E9125684-C550-4FD4-B350-720158561533}" type="datetimeFigureOut">
               <a:rPr lang="nl-NL" smtClean="0"/>
-              <a:t>13-5-2019</a:t>
+              <a:t>14-5-2019</a:t>
             </a:fld>
             <a:endParaRPr lang="nl-NL"/>
           </a:p>
@@ -2234,7 +2567,7 @@
           <a:p>
             <a:fld id="{E9125684-C550-4FD4-B350-720158561533}" type="datetimeFigureOut">
               <a:rPr lang="nl-NL" smtClean="0"/>
-              <a:t>13-5-2019</a:t>
+              <a:t>14-5-2019</a:t>
             </a:fld>
             <a:endParaRPr lang="nl-NL"/>
           </a:p>
@@ -2509,7 +2842,7 @@
           <a:p>
             <a:fld id="{E9125684-C550-4FD4-B350-720158561533}" type="datetimeFigureOut">
               <a:rPr lang="nl-NL" smtClean="0"/>
-              <a:t>13-5-2019</a:t>
+              <a:t>14-5-2019</a:t>
             </a:fld>
             <a:endParaRPr lang="nl-NL"/>
           </a:p>
@@ -2888,7 +3221,7 @@
           <a:p>
             <a:fld id="{E9125684-C550-4FD4-B350-720158561533}" type="datetimeFigureOut">
               <a:rPr lang="nl-NL" smtClean="0"/>
-              <a:t>13-5-2019</a:t>
+              <a:t>14-5-2019</a:t>
             </a:fld>
             <a:endParaRPr lang="nl-NL"/>
           </a:p>
@@ -3006,7 +3339,7 @@
           <a:p>
             <a:fld id="{E9125684-C550-4FD4-B350-720158561533}" type="datetimeFigureOut">
               <a:rPr lang="nl-NL" smtClean="0"/>
-              <a:t>13-5-2019</a:t>
+              <a:t>14-5-2019</a:t>
             </a:fld>
             <a:endParaRPr lang="nl-NL"/>
           </a:p>
@@ -3177,7 +3510,7 @@
           <a:p>
             <a:fld id="{E9125684-C550-4FD4-B350-720158561533}" type="datetimeFigureOut">
               <a:rPr lang="nl-NL" smtClean="0"/>
-              <a:t>13-5-2019</a:t>
+              <a:t>14-5-2019</a:t>
             </a:fld>
             <a:endParaRPr lang="nl-NL"/>
           </a:p>
@@ -3531,7 +3864,7 @@
           <a:p>
             <a:fld id="{E9125684-C550-4FD4-B350-720158561533}" type="datetimeFigureOut">
               <a:rPr lang="nl-NL" smtClean="0"/>
-              <a:t>13-5-2019</a:t>
+              <a:t>14-5-2019</a:t>
             </a:fld>
             <a:endParaRPr lang="nl-NL"/>
           </a:p>
@@ -3908,7 +4241,7 @@
           <a:p>
             <a:fld id="{E9125684-C550-4FD4-B350-720158561533}" type="datetimeFigureOut">
               <a:rPr lang="nl-NL" smtClean="0"/>
-              <a:t>13-5-2019</a:t>
+              <a:t>14-5-2019</a:t>
             </a:fld>
             <a:endParaRPr lang="nl-NL"/>
           </a:p>
@@ -4195,7 +4528,7 @@
           <a:p>
             <a:fld id="{E9125684-C550-4FD4-B350-720158561533}" type="datetimeFigureOut">
               <a:rPr lang="nl-NL" smtClean="0"/>
-              <a:t>13-5-2019</a:t>
+              <a:t>14-5-2019</a:t>
             </a:fld>
             <a:endParaRPr lang="nl-NL"/>
           </a:p>
@@ -4916,6 +5249,829 @@
 <file path=ppt/slides/slide10.xml><?xml version="1.0" encoding="utf-8"?>
 <p:sld xmlns:a="http://schemas.openxmlformats.org/drawingml/2006/main" xmlns:r="http://schemas.openxmlformats.org/officeDocument/2006/relationships" xmlns:p="http://schemas.openxmlformats.org/presentationml/2006/main">
   <p:cSld>
+    <p:bg>
+      <p:bgPr>
+        <a:solidFill>
+          <a:schemeClr val="accent5">
+            <a:lumMod val="20000"/>
+            <a:lumOff val="80000"/>
+          </a:schemeClr>
+        </a:solidFill>
+        <a:effectLst/>
+      </p:bgPr>
+    </p:bg>
+    <p:spTree>
+      <p:nvGrpSpPr>
+        <p:cNvPr id="1" name=""/>
+        <p:cNvGrpSpPr/>
+        <p:nvPr/>
+      </p:nvGrpSpPr>
+      <p:grpSpPr>
+        <a:xfrm>
+          <a:off x="0" y="0"/>
+          <a:ext cx="0" cy="0"/>
+          <a:chOff x="0" y="0"/>
+          <a:chExt cx="0" cy="0"/>
+        </a:xfrm>
+      </p:grpSpPr>
+      <p:sp>
+        <p:nvSpPr>
+          <p:cNvPr id="2" name="Title 1">
+            <a:extLst>
+              <a:ext uri="{FF2B5EF4-FFF2-40B4-BE49-F238E27FC236}">
+                <a16:creationId xmlns:a16="http://schemas.microsoft.com/office/drawing/2014/main" id="{3B002F0A-7382-4189-82F8-3228C3E1D6A1}"/>
+              </a:ext>
+            </a:extLst>
+          </p:cNvPr>
+          <p:cNvSpPr>
+            <a:spLocks noGrp="1"/>
+          </p:cNvSpPr>
+          <p:nvPr>
+            <p:ph type="title" idx="4294967295"/>
+          </p:nvPr>
+        </p:nvSpPr>
+        <p:spPr>
+          <a:xfrm>
+            <a:off x="1159666" y="1737797"/>
+            <a:ext cx="10767289" cy="1449387"/>
+          </a:xfrm>
+        </p:spPr>
+        <p:txBody>
+          <a:bodyPr>
+            <a:normAutofit fontScale="90000"/>
+          </a:bodyPr>
+          <a:lstStyle/>
+          <a:p>
+            <a:br>
+              <a:rPr lang="en-US" b="1" i="1" dirty="0"/>
+            </a:br>
+            <a:r>
+              <a:rPr lang="en-US" sz="5300" b="1" dirty="0" err="1"/>
+              <a:t>Tepole</a:t>
+            </a:r>
+            <a:r>
+              <a:rPr lang="en-US" sz="5300" b="1" dirty="0"/>
+              <a:t> et al. 2017 ~</a:t>
+            </a:r>
+            <a:br>
+              <a:rPr lang="en-US" sz="5300" dirty="0"/>
+            </a:br>
+            <a:r>
+              <a:rPr lang="en-US" sz="5300" dirty="0"/>
+              <a:t>Computational systems mechanobiology of Wound Healing</a:t>
+            </a:r>
+            <a:br>
+              <a:rPr lang="nl-NL" sz="5400" dirty="0"/>
+            </a:br>
+            <a:br>
+              <a:rPr lang="en-US" b="1" i="1" dirty="0"/>
+            </a:br>
+            <a:endParaRPr lang="nl-NL" dirty="0"/>
+          </a:p>
+        </p:txBody>
+      </p:sp>
+      <p:cxnSp>
+        <p:nvCxnSpPr>
+          <p:cNvPr id="15" name="Straight Connector 14">
+            <a:extLst>
+              <a:ext uri="{FF2B5EF4-FFF2-40B4-BE49-F238E27FC236}">
+                <a16:creationId xmlns:a16="http://schemas.microsoft.com/office/drawing/2014/main" id="{F0861455-184F-4A9B-BF47-926D213409CE}"/>
+              </a:ext>
+            </a:extLst>
+          </p:cNvPr>
+          <p:cNvCxnSpPr>
+            <a:cxnSpLocks/>
+          </p:cNvCxnSpPr>
+          <p:nvPr/>
+        </p:nvCxnSpPr>
+        <p:spPr>
+          <a:xfrm>
+            <a:off x="1288850" y="2042597"/>
+            <a:ext cx="9163853" cy="0"/>
+          </a:xfrm>
+          <a:prstGeom prst="line">
+            <a:avLst/>
+          </a:prstGeom>
+        </p:spPr>
+        <p:style>
+          <a:lnRef idx="3">
+            <a:schemeClr val="accent2"/>
+          </a:lnRef>
+          <a:fillRef idx="0">
+            <a:schemeClr val="accent2"/>
+          </a:fillRef>
+          <a:effectRef idx="2">
+            <a:schemeClr val="accent2"/>
+          </a:effectRef>
+          <a:fontRef idx="minor">
+            <a:schemeClr val="tx1"/>
+          </a:fontRef>
+        </p:style>
+      </p:cxnSp>
+      <p:sp>
+        <p:nvSpPr>
+          <p:cNvPr id="5" name="TextBox 4">
+            <a:extLst>
+              <a:ext uri="{FF2B5EF4-FFF2-40B4-BE49-F238E27FC236}">
+                <a16:creationId xmlns:a16="http://schemas.microsoft.com/office/drawing/2014/main" id="{A3CE2097-9055-46D4-BB9D-6469006A15C5}"/>
+              </a:ext>
+            </a:extLst>
+          </p:cNvPr>
+          <p:cNvSpPr txBox="1"/>
+          <p:nvPr/>
+        </p:nvSpPr>
+        <p:spPr>
+          <a:xfrm>
+            <a:off x="1000437" y="2042597"/>
+            <a:ext cx="4403188" cy="1323439"/>
+          </a:xfrm>
+          <a:prstGeom prst="rect">
+            <a:avLst/>
+          </a:prstGeom>
+          <a:noFill/>
+        </p:spPr>
+        <p:txBody>
+          <a:bodyPr wrap="square" rtlCol="0">
+            <a:spAutoFit/>
+          </a:bodyPr>
+          <a:lstStyle/>
+          <a:p>
+            <a:pPr marL="285750" indent="-285750">
+              <a:buClr>
+                <a:schemeClr val="accent2"/>
+              </a:buClr>
+              <a:buFont typeface="Arial" panose="020B0604020202020204" pitchFamily="34" charset="0"/>
+              <a:buChar char="•"/>
+            </a:pPr>
+            <a:endParaRPr lang="en-US" sz="2000" dirty="0"/>
+          </a:p>
+          <a:p>
+            <a:pPr marL="285750" indent="-285750">
+              <a:buClr>
+                <a:schemeClr val="accent2"/>
+              </a:buClr>
+              <a:buFont typeface="Arial" panose="020B0604020202020204" pitchFamily="34" charset="0"/>
+              <a:buChar char="•"/>
+            </a:pPr>
+            <a:r>
+              <a:rPr lang="en-US" sz="2000" dirty="0" err="1"/>
+              <a:t>blabla</a:t>
+            </a:r>
+            <a:endParaRPr lang="en-US" sz="2000" dirty="0"/>
+          </a:p>
+          <a:p>
+            <a:pPr marL="285750" indent="-285750">
+              <a:buClr>
+                <a:schemeClr val="accent2"/>
+              </a:buClr>
+              <a:buFont typeface="Arial" panose="020B0604020202020204" pitchFamily="34" charset="0"/>
+              <a:buChar char="•"/>
+            </a:pPr>
+            <a:endParaRPr lang="en-US" sz="2000" dirty="0"/>
+          </a:p>
+          <a:p>
+            <a:pPr marL="285750" indent="-285750">
+              <a:buClr>
+                <a:schemeClr val="accent2"/>
+              </a:buClr>
+              <a:buFont typeface="Arial" panose="020B0604020202020204" pitchFamily="34" charset="0"/>
+              <a:buChar char="•"/>
+            </a:pPr>
+            <a:endParaRPr lang="nl-NL" sz="2000" dirty="0"/>
+          </a:p>
+        </p:txBody>
+      </p:sp>
+    </p:spTree>
+    <p:extLst>
+      <p:ext uri="{BB962C8B-B14F-4D97-AF65-F5344CB8AC3E}">
+        <p14:creationId xmlns:p14="http://schemas.microsoft.com/office/powerpoint/2010/main" val="1763655245"/>
+      </p:ext>
+    </p:extLst>
+  </p:cSld>
+  <p:clrMapOvr>
+    <a:masterClrMapping/>
+  </p:clrMapOvr>
+</p:sld>
+</file>
+
+<file path=ppt/slides/slide11.xml><?xml version="1.0" encoding="utf-8"?>
+<p:sld xmlns:a="http://schemas.openxmlformats.org/drawingml/2006/main" xmlns:r="http://schemas.openxmlformats.org/officeDocument/2006/relationships" xmlns:p="http://schemas.openxmlformats.org/presentationml/2006/main">
+  <p:cSld>
+    <p:bg>
+      <p:bgPr>
+        <a:solidFill>
+          <a:schemeClr val="accent5">
+            <a:lumMod val="20000"/>
+            <a:lumOff val="80000"/>
+          </a:schemeClr>
+        </a:solidFill>
+        <a:effectLst/>
+      </p:bgPr>
+    </p:bg>
+    <p:spTree>
+      <p:nvGrpSpPr>
+        <p:cNvPr id="1" name=""/>
+        <p:cNvGrpSpPr/>
+        <p:nvPr/>
+      </p:nvGrpSpPr>
+      <p:grpSpPr>
+        <a:xfrm>
+          <a:off x="0" y="0"/>
+          <a:ext cx="0" cy="0"/>
+          <a:chOff x="0" y="0"/>
+          <a:chExt cx="0" cy="0"/>
+        </a:xfrm>
+      </p:grpSpPr>
+      <p:sp>
+        <p:nvSpPr>
+          <p:cNvPr id="2" name="Title 1">
+            <a:extLst>
+              <a:ext uri="{FF2B5EF4-FFF2-40B4-BE49-F238E27FC236}">
+                <a16:creationId xmlns:a16="http://schemas.microsoft.com/office/drawing/2014/main" id="{5E32DAC2-BEFD-4A05-8854-7A1BDEF6DD65}"/>
+              </a:ext>
+            </a:extLst>
+          </p:cNvPr>
+          <p:cNvSpPr>
+            <a:spLocks noGrp="1"/>
+          </p:cNvSpPr>
+          <p:nvPr>
+            <p:ph type="title" idx="4294967295"/>
+          </p:nvPr>
+        </p:nvSpPr>
+        <p:spPr>
+          <a:xfrm>
+            <a:off x="742950" y="639763"/>
+            <a:ext cx="10058400" cy="1449387"/>
+          </a:xfrm>
+        </p:spPr>
+        <p:txBody>
+          <a:bodyPr/>
+          <a:lstStyle/>
+          <a:p>
+            <a:r>
+              <a:rPr lang="en-US" b="1" dirty="0"/>
+              <a:t>Research Questions + Aim:</a:t>
+            </a:r>
+            <a:br>
+              <a:rPr lang="nl-NL" dirty="0"/>
+            </a:br>
+            <a:endParaRPr lang="nl-NL" dirty="0"/>
+          </a:p>
+        </p:txBody>
+      </p:sp>
+      <p:sp>
+        <p:nvSpPr>
+          <p:cNvPr id="3" name="Content Placeholder 2">
+            <a:extLst>
+              <a:ext uri="{FF2B5EF4-FFF2-40B4-BE49-F238E27FC236}">
+                <a16:creationId xmlns:a16="http://schemas.microsoft.com/office/drawing/2014/main" id="{5C64C442-8063-4FC1-AA1C-F6D8F2038B98}"/>
+              </a:ext>
+            </a:extLst>
+          </p:cNvPr>
+          <p:cNvSpPr>
+            <a:spLocks noGrp="1"/>
+          </p:cNvSpPr>
+          <p:nvPr>
+            <p:ph idx="4294967295"/>
+          </p:nvPr>
+        </p:nvSpPr>
+        <p:spPr>
+          <a:xfrm>
+            <a:off x="3082812" y="2608263"/>
+            <a:ext cx="10058400" cy="4022725"/>
+          </a:xfrm>
+        </p:spPr>
+        <p:txBody>
+          <a:bodyPr/>
+          <a:lstStyle/>
+          <a:p>
+            <a:pPr marL="457200" indent="-457200">
+              <a:buClrTx/>
+              <a:buFont typeface="+mj-lt"/>
+              <a:buAutoNum type="arabicPeriod"/>
+            </a:pPr>
+            <a:r>
+              <a:rPr lang="en-US" sz="1800" dirty="0">
+                <a:solidFill>
+                  <a:schemeClr val="tx1"/>
+                </a:solidFill>
+              </a:rPr>
+              <a:t>What causes a better healing of burn wounds? </a:t>
+            </a:r>
+            <a:endParaRPr lang="nl-NL" sz="1800" dirty="0">
+              <a:solidFill>
+                <a:schemeClr val="tx1"/>
+              </a:solidFill>
+            </a:endParaRPr>
+          </a:p>
+          <a:p>
+            <a:pPr marL="457200" indent="-457200">
+              <a:buClrTx/>
+              <a:buFont typeface="+mj-lt"/>
+              <a:buAutoNum type="arabicPeriod"/>
+            </a:pPr>
+            <a:r>
+              <a:rPr lang="en-US" sz="1800" dirty="0">
+                <a:solidFill>
+                  <a:schemeClr val="tx1"/>
+                </a:solidFill>
+              </a:rPr>
+              <a:t>What is the link between the AP model and the cutaneous wound healing model?</a:t>
+            </a:r>
+            <a:endParaRPr lang="nl-NL" sz="1800" dirty="0">
+              <a:solidFill>
+                <a:schemeClr val="tx1"/>
+              </a:solidFill>
+            </a:endParaRPr>
+          </a:p>
+          <a:p>
+            <a:endParaRPr lang="nl-NL" dirty="0"/>
+          </a:p>
+        </p:txBody>
+      </p:sp>
+      <p:cxnSp>
+        <p:nvCxnSpPr>
+          <p:cNvPr id="4" name="Straight Connector 3">
+            <a:extLst>
+              <a:ext uri="{FF2B5EF4-FFF2-40B4-BE49-F238E27FC236}">
+                <a16:creationId xmlns:a16="http://schemas.microsoft.com/office/drawing/2014/main" id="{E8178395-DEF3-4E1A-A7D4-D9DA2E5B8DFB}"/>
+              </a:ext>
+            </a:extLst>
+          </p:cNvPr>
+          <p:cNvCxnSpPr>
+            <a:cxnSpLocks/>
+          </p:cNvCxnSpPr>
+          <p:nvPr/>
+        </p:nvCxnSpPr>
+        <p:spPr>
+          <a:xfrm>
+            <a:off x="853962" y="1521098"/>
+            <a:ext cx="7747113" cy="0"/>
+          </a:xfrm>
+          <a:prstGeom prst="line">
+            <a:avLst/>
+          </a:prstGeom>
+        </p:spPr>
+        <p:style>
+          <a:lnRef idx="3">
+            <a:schemeClr val="accent2"/>
+          </a:lnRef>
+          <a:fillRef idx="0">
+            <a:schemeClr val="accent2"/>
+          </a:fillRef>
+          <a:effectRef idx="2">
+            <a:schemeClr val="accent2"/>
+          </a:effectRef>
+          <a:fontRef idx="minor">
+            <a:schemeClr val="tx1"/>
+          </a:fontRef>
+        </p:style>
+      </p:cxnSp>
+      <p:pic>
+        <p:nvPicPr>
+          <p:cNvPr id="9" name="Picture 8">
+            <a:extLst>
+              <a:ext uri="{FF2B5EF4-FFF2-40B4-BE49-F238E27FC236}">
+                <a16:creationId xmlns:a16="http://schemas.microsoft.com/office/drawing/2014/main" id="{CB97A1B8-53DC-445A-8D70-13AC8365404C}"/>
+              </a:ext>
+            </a:extLst>
+          </p:cNvPr>
+          <p:cNvPicPr>
+            <a:picLocks noChangeAspect="1"/>
+          </p:cNvPicPr>
+          <p:nvPr/>
+        </p:nvPicPr>
+        <p:blipFill>
+          <a:blip r:embed="rId2">
+            <a:extLst>
+              <a:ext uri="{28A0092B-C50C-407E-A947-70E740481C1C}">
+                <a14:useLocalDpi xmlns:a14="http://schemas.microsoft.com/office/drawing/2010/main" val="0"/>
+              </a:ext>
+            </a:extLst>
+          </a:blip>
+          <a:stretch>
+            <a:fillRect/>
+          </a:stretch>
+        </p:blipFill>
+        <p:spPr>
+          <a:xfrm>
+            <a:off x="1598356" y="4337324"/>
+            <a:ext cx="1073283" cy="1073283"/>
+          </a:xfrm>
+          <a:prstGeom prst="rect">
+            <a:avLst/>
+          </a:prstGeom>
+        </p:spPr>
+      </p:pic>
+      <p:cxnSp>
+        <p:nvCxnSpPr>
+          <p:cNvPr id="10" name="Straight Connector 9">
+            <a:extLst>
+              <a:ext uri="{FF2B5EF4-FFF2-40B4-BE49-F238E27FC236}">
+                <a16:creationId xmlns:a16="http://schemas.microsoft.com/office/drawing/2014/main" id="{3868A95B-109C-4FEC-883F-FF87E831F168}"/>
+              </a:ext>
+            </a:extLst>
+          </p:cNvPr>
+          <p:cNvCxnSpPr>
+            <a:cxnSpLocks/>
+          </p:cNvCxnSpPr>
+          <p:nvPr/>
+        </p:nvCxnSpPr>
+        <p:spPr>
+          <a:xfrm>
+            <a:off x="1493772" y="3574870"/>
+            <a:ext cx="1183298" cy="0"/>
+          </a:xfrm>
+          <a:prstGeom prst="line">
+            <a:avLst/>
+          </a:prstGeom>
+        </p:spPr>
+        <p:style>
+          <a:lnRef idx="3">
+            <a:schemeClr val="accent2"/>
+          </a:lnRef>
+          <a:fillRef idx="0">
+            <a:schemeClr val="accent2"/>
+          </a:fillRef>
+          <a:effectRef idx="2">
+            <a:schemeClr val="accent2"/>
+          </a:effectRef>
+          <a:fontRef idx="minor">
+            <a:schemeClr val="tx1"/>
+          </a:fontRef>
+        </p:style>
+      </p:cxnSp>
+      <p:cxnSp>
+        <p:nvCxnSpPr>
+          <p:cNvPr id="14" name="Straight Connector 13">
+            <a:extLst>
+              <a:ext uri="{FF2B5EF4-FFF2-40B4-BE49-F238E27FC236}">
+                <a16:creationId xmlns:a16="http://schemas.microsoft.com/office/drawing/2014/main" id="{60B1BF88-A4AB-4C18-805A-AF9BD9B3876A}"/>
+              </a:ext>
+            </a:extLst>
+          </p:cNvPr>
+          <p:cNvCxnSpPr>
+            <a:cxnSpLocks/>
+          </p:cNvCxnSpPr>
+          <p:nvPr/>
+        </p:nvCxnSpPr>
+        <p:spPr>
+          <a:xfrm>
+            <a:off x="1488341" y="5575120"/>
+            <a:ext cx="1183298" cy="0"/>
+          </a:xfrm>
+          <a:prstGeom prst="line">
+            <a:avLst/>
+          </a:prstGeom>
+        </p:spPr>
+        <p:style>
+          <a:lnRef idx="3">
+            <a:schemeClr val="accent2"/>
+          </a:lnRef>
+          <a:fillRef idx="0">
+            <a:schemeClr val="accent2"/>
+          </a:fillRef>
+          <a:effectRef idx="2">
+            <a:schemeClr val="accent2"/>
+          </a:effectRef>
+          <a:fontRef idx="minor">
+            <a:schemeClr val="tx1"/>
+          </a:fontRef>
+        </p:style>
+      </p:cxnSp>
+      <p:pic>
+        <p:nvPicPr>
+          <p:cNvPr id="16" name="Picture 15">
+            <a:extLst>
+              <a:ext uri="{FF2B5EF4-FFF2-40B4-BE49-F238E27FC236}">
+                <a16:creationId xmlns:a16="http://schemas.microsoft.com/office/drawing/2014/main" id="{C363CC9B-C18D-4792-9112-8E8B2F8636AD}"/>
+              </a:ext>
+            </a:extLst>
+          </p:cNvPr>
+          <p:cNvPicPr>
+            <a:picLocks noChangeAspect="1"/>
+          </p:cNvPicPr>
+          <p:nvPr/>
+        </p:nvPicPr>
+        <p:blipFill>
+          <a:blip r:embed="rId3">
+            <a:extLst>
+              <a:ext uri="{28A0092B-C50C-407E-A947-70E740481C1C}">
+                <a14:useLocalDpi xmlns:a14="http://schemas.microsoft.com/office/drawing/2010/main" val="0"/>
+              </a:ext>
+            </a:extLst>
+          </a:blip>
+          <a:stretch>
+            <a:fillRect/>
+          </a:stretch>
+        </p:blipFill>
+        <p:spPr>
+          <a:xfrm>
+            <a:off x="1608072" y="2466521"/>
+            <a:ext cx="943836" cy="943836"/>
+          </a:xfrm>
+          <a:prstGeom prst="rect">
+            <a:avLst/>
+          </a:prstGeom>
+        </p:spPr>
+      </p:pic>
+      <p:sp>
+        <p:nvSpPr>
+          <p:cNvPr id="17" name="TextBox 16">
+            <a:extLst>
+              <a:ext uri="{FF2B5EF4-FFF2-40B4-BE49-F238E27FC236}">
+                <a16:creationId xmlns:a16="http://schemas.microsoft.com/office/drawing/2014/main" id="{D8460B85-0DC0-4EAC-B38F-D4361F110C6A}"/>
+              </a:ext>
+            </a:extLst>
+          </p:cNvPr>
+          <p:cNvSpPr txBox="1"/>
+          <p:nvPr/>
+        </p:nvSpPr>
+        <p:spPr>
+          <a:xfrm>
+            <a:off x="3202543" y="4690571"/>
+            <a:ext cx="6793013" cy="646331"/>
+          </a:xfrm>
+          <a:prstGeom prst="rect">
+            <a:avLst/>
+          </a:prstGeom>
+          <a:noFill/>
+        </p:spPr>
+        <p:txBody>
+          <a:bodyPr wrap="none" rtlCol="0">
+            <a:spAutoFit/>
+          </a:bodyPr>
+          <a:lstStyle/>
+          <a:p>
+            <a:r>
+              <a:rPr lang="en-US" dirty="0"/>
+              <a:t>A novel computational framework combining the AP and ABM models </a:t>
+            </a:r>
+          </a:p>
+          <a:p>
+            <a:r>
+              <a:rPr lang="en-US" dirty="0"/>
+              <a:t>to simulate the healing of burn wounds</a:t>
+            </a:r>
+            <a:endParaRPr lang="nl-NL" dirty="0"/>
+          </a:p>
+        </p:txBody>
+      </p:sp>
+    </p:spTree>
+    <p:extLst>
+      <p:ext uri="{BB962C8B-B14F-4D97-AF65-F5344CB8AC3E}">
+        <p14:creationId xmlns:p14="http://schemas.microsoft.com/office/powerpoint/2010/main" val="3684365455"/>
+      </p:ext>
+    </p:extLst>
+  </p:cSld>
+  <p:clrMapOvr>
+    <a:masterClrMapping/>
+  </p:clrMapOvr>
+</p:sld>
+</file>
+
+<file path=ppt/slides/slide12.xml><?xml version="1.0" encoding="utf-8"?>
+<p:sld xmlns:a="http://schemas.openxmlformats.org/drawingml/2006/main" xmlns:r="http://schemas.openxmlformats.org/officeDocument/2006/relationships" xmlns:p="http://schemas.openxmlformats.org/presentationml/2006/main">
+  <p:cSld>
+    <p:spTree>
+      <p:nvGrpSpPr>
+        <p:cNvPr id="1" name=""/>
+        <p:cNvGrpSpPr/>
+        <p:nvPr/>
+      </p:nvGrpSpPr>
+      <p:grpSpPr>
+        <a:xfrm>
+          <a:off x="0" y="0"/>
+          <a:ext cx="0" cy="0"/>
+          <a:chOff x="0" y="0"/>
+          <a:chExt cx="0" cy="0"/>
+        </a:xfrm>
+      </p:grpSpPr>
+      <p:sp>
+        <p:nvSpPr>
+          <p:cNvPr id="2" name="Title 1">
+            <a:extLst>
+              <a:ext uri="{FF2B5EF4-FFF2-40B4-BE49-F238E27FC236}">
+                <a16:creationId xmlns:a16="http://schemas.microsoft.com/office/drawing/2014/main" id="{A06B18A9-C162-40D6-A04A-406120C5D899}"/>
+              </a:ext>
+            </a:extLst>
+          </p:cNvPr>
+          <p:cNvSpPr>
+            <a:spLocks noGrp="1"/>
+          </p:cNvSpPr>
+          <p:nvPr>
+            <p:ph type="title"/>
+          </p:nvPr>
+        </p:nvSpPr>
+        <p:spPr>
+          <a:xfrm>
+            <a:off x="570866" y="2160549"/>
+            <a:ext cx="10058400" cy="1450757"/>
+          </a:xfrm>
+        </p:spPr>
+        <p:txBody>
+          <a:bodyPr/>
+          <a:lstStyle/>
+          <a:p>
+            <a:r>
+              <a:rPr lang="nl-NL" b="1" dirty="0"/>
+              <a:t>Proposal</a:t>
+            </a:r>
+          </a:p>
+        </p:txBody>
+      </p:sp>
+      <p:pic>
+        <p:nvPicPr>
+          <p:cNvPr id="1026" name="Picture 2" descr="Afbeeldingsresultaat voor proposal">
+            <a:extLst>
+              <a:ext uri="{FF2B5EF4-FFF2-40B4-BE49-F238E27FC236}">
+                <a16:creationId xmlns:a16="http://schemas.microsoft.com/office/drawing/2014/main" id="{09D4B3C8-957B-4EBB-82C2-F8F72620AE4C}"/>
+              </a:ext>
+            </a:extLst>
+          </p:cNvPr>
+          <p:cNvPicPr>
+            <a:picLocks noChangeAspect="1" noChangeArrowheads="1"/>
+          </p:cNvPicPr>
+          <p:nvPr/>
+        </p:nvPicPr>
+        <p:blipFill rotWithShape="1">
+          <a:blip r:embed="rId3">
+            <a:extLst>
+              <a:ext uri="{28A0092B-C50C-407E-A947-70E740481C1C}">
+                <a14:useLocalDpi xmlns:a14="http://schemas.microsoft.com/office/drawing/2010/main" val="0"/>
+              </a:ext>
+            </a:extLst>
+          </a:blip>
+          <a:srcRect r="-136" b="23369"/>
+          <a:stretch/>
+        </p:blipFill>
+        <p:spPr bwMode="auto">
+          <a:xfrm>
+            <a:off x="-189548" y="-2002354"/>
+            <a:ext cx="12571095" cy="4810125"/>
+          </a:xfrm>
+          <a:prstGeom prst="rect">
+            <a:avLst/>
+          </a:prstGeom>
+          <a:noFill/>
+          <a:extLst>
+            <a:ext uri="{909E8E84-426E-40DD-AFC4-6F175D3DCCD1}">
+              <a14:hiddenFill xmlns:a14="http://schemas.microsoft.com/office/drawing/2010/main">
+                <a:solidFill>
+                  <a:srgbClr val="FFFFFF"/>
+                </a:solidFill>
+              </a14:hiddenFill>
+            </a:ext>
+          </a:extLst>
+        </p:spPr>
+      </p:pic>
+      <p:cxnSp>
+        <p:nvCxnSpPr>
+          <p:cNvPr id="5" name="Straight Connector 4">
+            <a:extLst>
+              <a:ext uri="{FF2B5EF4-FFF2-40B4-BE49-F238E27FC236}">
+                <a16:creationId xmlns:a16="http://schemas.microsoft.com/office/drawing/2014/main" id="{65C4FDA1-516A-4BE3-9350-4DFE8E16E466}"/>
+              </a:ext>
+            </a:extLst>
+          </p:cNvPr>
+          <p:cNvCxnSpPr/>
+          <p:nvPr/>
+        </p:nvCxnSpPr>
+        <p:spPr>
+          <a:xfrm>
+            <a:off x="671830" y="3611306"/>
+            <a:ext cx="2112645" cy="0"/>
+          </a:xfrm>
+          <a:prstGeom prst="line">
+            <a:avLst/>
+          </a:prstGeom>
+        </p:spPr>
+        <p:style>
+          <a:lnRef idx="3">
+            <a:schemeClr val="accent2"/>
+          </a:lnRef>
+          <a:fillRef idx="0">
+            <a:schemeClr val="accent2"/>
+          </a:fillRef>
+          <a:effectRef idx="2">
+            <a:schemeClr val="accent2"/>
+          </a:effectRef>
+          <a:fontRef idx="minor">
+            <a:schemeClr val="tx1"/>
+          </a:fontRef>
+        </p:style>
+      </p:cxnSp>
+      <p:sp>
+        <p:nvSpPr>
+          <p:cNvPr id="8" name="TextBox 7">
+            <a:extLst>
+              <a:ext uri="{FF2B5EF4-FFF2-40B4-BE49-F238E27FC236}">
+                <a16:creationId xmlns:a16="http://schemas.microsoft.com/office/drawing/2014/main" id="{889B050A-8FB5-4C94-A970-49EA915CCF9A}"/>
+              </a:ext>
+            </a:extLst>
+          </p:cNvPr>
+          <p:cNvSpPr txBox="1"/>
+          <p:nvPr/>
+        </p:nvSpPr>
+        <p:spPr>
+          <a:xfrm>
+            <a:off x="671830" y="3754441"/>
+            <a:ext cx="9653270" cy="2185214"/>
+          </a:xfrm>
+          <a:prstGeom prst="rect">
+            <a:avLst/>
+          </a:prstGeom>
+          <a:noFill/>
+        </p:spPr>
+        <p:txBody>
+          <a:bodyPr wrap="square" rtlCol="0">
+            <a:spAutoFit/>
+          </a:bodyPr>
+          <a:lstStyle/>
+          <a:p>
+            <a:pPr marL="285750" indent="-285750">
+              <a:buClr>
+                <a:schemeClr val="accent2"/>
+              </a:buClr>
+              <a:buFont typeface="Arial" panose="020B0604020202020204" pitchFamily="34" charset="0"/>
+              <a:buChar char="•"/>
+            </a:pPr>
+            <a:endParaRPr lang="nl-NL" dirty="0"/>
+          </a:p>
+          <a:p>
+            <a:pPr marL="285750" indent="-285750">
+              <a:buClr>
+                <a:schemeClr val="accent2"/>
+              </a:buClr>
+              <a:buFont typeface="Arial" panose="020B0604020202020204" pitchFamily="34" charset="0"/>
+              <a:buChar char="•"/>
+            </a:pPr>
+            <a:r>
+              <a:rPr lang="nl-NL" sz="2000" dirty="0"/>
+              <a:t>Discrete Spatio-temporal (</a:t>
+            </a:r>
+            <a:r>
+              <a:rPr lang="en-US" sz="2000" dirty="0"/>
+              <a:t>existing in both space and time)</a:t>
+            </a:r>
+            <a:r>
+              <a:rPr lang="nl-NL" sz="2000" dirty="0"/>
+              <a:t> Agent-Based Model combining both the immune response model and the ABM wound healing models</a:t>
+            </a:r>
+          </a:p>
+          <a:p>
+            <a:pPr marL="285750" indent="-285750">
+              <a:buClr>
+                <a:schemeClr val="accent2"/>
+              </a:buClr>
+              <a:buFont typeface="Arial" panose="020B0604020202020204" pitchFamily="34" charset="0"/>
+              <a:buChar char="•"/>
+            </a:pPr>
+            <a:endParaRPr lang="nl-NL" sz="2000" dirty="0"/>
+          </a:p>
+          <a:p>
+            <a:pPr marL="285750" indent="-285750">
+              <a:buClr>
+                <a:schemeClr val="accent2"/>
+              </a:buClr>
+              <a:buFont typeface="Arial" panose="020B0604020202020204" pitchFamily="34" charset="0"/>
+              <a:buChar char="•"/>
+            </a:pPr>
+            <a:r>
+              <a:rPr lang="en-US" sz="2000" dirty="0"/>
+              <a:t>The AP model will act like an </a:t>
+            </a:r>
+            <a:r>
+              <a:rPr lang="en-US" sz="2000" b="1" dirty="0"/>
+              <a:t>engine for the blood composition </a:t>
+            </a:r>
+            <a:r>
+              <a:rPr lang="en-US" sz="2000" dirty="0"/>
+              <a:t>of a 3-dimensional ABM model.</a:t>
+            </a:r>
+            <a:endParaRPr lang="nl-NL" sz="2000" dirty="0"/>
+          </a:p>
+          <a:p>
+            <a:endParaRPr lang="nl-NL" dirty="0"/>
+          </a:p>
+        </p:txBody>
+      </p:sp>
+    </p:spTree>
+    <p:extLst>
+      <p:ext uri="{BB962C8B-B14F-4D97-AF65-F5344CB8AC3E}">
+        <p14:creationId xmlns:p14="http://schemas.microsoft.com/office/powerpoint/2010/main" val="67100627"/>
+      </p:ext>
+    </p:extLst>
+  </p:cSld>
+  <p:clrMapOvr>
+    <a:masterClrMapping/>
+  </p:clrMapOvr>
+</p:sld>
+</file>
+
+<file path=ppt/slides/slide13.xml><?xml version="1.0" encoding="utf-8"?>
+<p:sld xmlns:a="http://schemas.openxmlformats.org/drawingml/2006/main" xmlns:r="http://schemas.openxmlformats.org/officeDocument/2006/relationships" xmlns:p="http://schemas.openxmlformats.org/presentationml/2006/main">
+  <p:cSld>
     <p:spTree>
       <p:nvGrpSpPr>
         <p:cNvPr id="1" name=""/>
@@ -5074,7 +6230,7 @@
           <a:p>
             <a:r>
               <a:rPr lang="en-US" b="1" dirty="0"/>
-              <a:t>Possible links AP and ABM</a:t>
+              <a:t>Blood Composition</a:t>
             </a:r>
             <a:endParaRPr lang="nl-NL" b="1" dirty="0"/>
           </a:p>
@@ -5237,7 +6393,7 @@
           <p:nvPr/>
         </p:nvPicPr>
         <p:blipFill>
-          <a:blip r:embed="rId2">
+          <a:blip r:embed="rId3">
             <a:extLst>
               <a:ext uri="{28A0092B-C50C-407E-A947-70E740481C1C}">
                 <a14:useLocalDpi xmlns:a14="http://schemas.microsoft.com/office/drawing/2010/main" val="0"/>
@@ -5410,7 +6566,7 @@
 </p:sld>
 </file>
 
-<file path=ppt/slides/slide11.xml><?xml version="1.0" encoding="utf-8"?>
+<file path=ppt/slides/slide14.xml><?xml version="1.0" encoding="utf-8"?>
 <p:sld xmlns:a="http://schemas.openxmlformats.org/drawingml/2006/main" xmlns:r="http://schemas.openxmlformats.org/officeDocument/2006/relationships" xmlns:p="http://schemas.openxmlformats.org/presentationml/2006/main">
   <p:cSld>
     <p:spTree>
@@ -5627,7 +6783,7 @@
         </p:nvSpPr>
         <p:spPr>
           <a:xfrm>
-            <a:off x="3603197" y="2522156"/>
+            <a:off x="3603624" y="2461922"/>
             <a:ext cx="4116383" cy="2585323"/>
           </a:xfrm>
           <a:prstGeom prst="rect">
@@ -5741,7 +6897,7 @@
         </p:nvSpPr>
         <p:spPr>
           <a:xfrm>
-            <a:off x="8588377" y="2522156"/>
+            <a:off x="8562951" y="2461922"/>
             <a:ext cx="2422523" cy="2031325"/>
           </a:xfrm>
           <a:prstGeom prst="rect">
@@ -5872,7 +7028,7 @@
 </p:sld>
 </file>
 
-<file path=ppt/slides/slide12.xml><?xml version="1.0" encoding="utf-8"?>
+<file path=ppt/slides/slide15.xml><?xml version="1.0" encoding="utf-8"?>
 <p:sld xmlns:a="http://schemas.openxmlformats.org/drawingml/2006/main" xmlns:r="http://schemas.openxmlformats.org/officeDocument/2006/relationships" xmlns:p="http://schemas.openxmlformats.org/presentationml/2006/main">
   <p:cSld>
     <p:spTree>
@@ -6101,7 +7257,7 @@
 </p:sld>
 </file>
 
-<file path=ppt/slides/slide13.xml><?xml version="1.0" encoding="utf-8"?>
+<file path=ppt/slides/slide16.xml><?xml version="1.0" encoding="utf-8"?>
 <p:sld xmlns:a="http://schemas.openxmlformats.org/drawingml/2006/main" xmlns:r="http://schemas.openxmlformats.org/officeDocument/2006/relationships" xmlns:p="http://schemas.openxmlformats.org/presentationml/2006/main">
   <p:cSld>
     <p:bg>
@@ -6336,36 +7492,6 @@
 </p:sld>
 </file>
 
-<file path=ppt/slides/slide14.xml><?xml version="1.0" encoding="utf-8"?>
-<p:sld xmlns:a="http://schemas.openxmlformats.org/drawingml/2006/main" xmlns:r="http://schemas.openxmlformats.org/officeDocument/2006/relationships" xmlns:p="http://schemas.openxmlformats.org/presentationml/2006/main">
-  <p:cSld>
-    <p:spTree>
-      <p:nvGrpSpPr>
-        <p:cNvPr id="1" name=""/>
-        <p:cNvGrpSpPr/>
-        <p:nvPr/>
-      </p:nvGrpSpPr>
-      <p:grpSpPr>
-        <a:xfrm>
-          <a:off x="0" y="0"/>
-          <a:ext cx="0" cy="0"/>
-          <a:chOff x="0" y="0"/>
-          <a:chExt cx="0" cy="0"/>
-        </a:xfrm>
-      </p:grpSpPr>
-    </p:spTree>
-    <p:extLst>
-      <p:ext uri="{BB962C8B-B14F-4D97-AF65-F5344CB8AC3E}">
-        <p14:creationId xmlns:p14="http://schemas.microsoft.com/office/powerpoint/2010/main" val="1802505454"/>
-      </p:ext>
-    </p:extLst>
-  </p:cSld>
-  <p:clrMapOvr>
-    <a:masterClrMapping/>
-  </p:clrMapOvr>
-</p:sld>
-</file>
-
 <file path=ppt/slides/slide2.xml><?xml version="1.0" encoding="utf-8"?>
 <p:sld xmlns:a="http://schemas.openxmlformats.org/drawingml/2006/main" xmlns:r="http://schemas.openxmlformats.org/officeDocument/2006/relationships" xmlns:p="http://schemas.openxmlformats.org/presentationml/2006/main">
   <p:cSld>
@@ -6951,7 +8077,7 @@
         </p:blipFill>
         <p:spPr bwMode="auto">
           <a:xfrm>
-            <a:off x="6096000" y="3340100"/>
+            <a:off x="6400800" y="3429000"/>
             <a:ext cx="5791200" cy="2790825"/>
           </a:xfrm>
           <a:prstGeom prst="rect">
@@ -7065,7 +8191,7 @@
             </a:r>
             <a:r>
               <a:rPr lang="en-US" sz="2400" dirty="0"/>
-              <a:t>the loss of these skin appendages and re-</a:t>
+              <a:t>the loss of the skin appendages and re-</a:t>
             </a:r>
             <a:r>
               <a:rPr lang="en-US" sz="2400" dirty="0" err="1"/>
@@ -7289,7 +8415,7 @@
         </p:blipFill>
         <p:spPr>
           <a:xfrm>
-            <a:off x="1292112" y="2275615"/>
+            <a:off x="10143264" y="3857744"/>
             <a:ext cx="1077186" cy="1077186"/>
           </a:xfrm>
           <a:prstGeom prst="rect">
@@ -7311,7 +8437,7 @@
         </p:nvSpPr>
         <p:spPr>
           <a:xfrm>
-            <a:off x="2571750" y="2697768"/>
+            <a:off x="2571750" y="2568382"/>
             <a:ext cx="5182957" cy="923330"/>
           </a:xfrm>
           <a:prstGeom prst="rect">
@@ -7389,7 +8515,7 @@
         </p:blipFill>
         <p:spPr>
           <a:xfrm>
-            <a:off x="9830383" y="3815052"/>
+            <a:off x="1270777" y="2170630"/>
             <a:ext cx="1294817" cy="1294817"/>
           </a:xfrm>
           <a:prstGeom prst="rect">
@@ -7411,8 +8537,8 @@
         </p:nvSpPr>
         <p:spPr>
           <a:xfrm>
-            <a:off x="4171950" y="4186539"/>
-            <a:ext cx="5773119" cy="923330"/>
+            <a:off x="3954780" y="4150511"/>
+            <a:ext cx="6270050" cy="923330"/>
           </a:xfrm>
           <a:prstGeom prst="rect">
             <a:avLst/>
@@ -7427,7 +8553,15 @@
           <a:p>
             <a:r>
               <a:rPr lang="en-US" dirty="0"/>
-              <a:t>Dynamic computational </a:t>
+              <a:t>Dynamic </a:t>
+            </a:r>
+            <a:r>
+              <a:rPr lang="en-US" b="1" dirty="0"/>
+              <a:t>EBM</a:t>
+            </a:r>
+            <a:r>
+              <a:rPr lang="en-US" dirty="0"/>
+              <a:t> computational </a:t>
             </a:r>
             <a:r>
               <a:rPr lang="en-US" b="1" dirty="0"/>
@@ -7550,7 +8684,7 @@
         </p:nvSpPr>
         <p:spPr>
           <a:xfrm>
-            <a:off x="1162050" y="243161"/>
+            <a:off x="1292112" y="262586"/>
             <a:ext cx="10058400" cy="1449387"/>
           </a:xfrm>
         </p:spPr>
@@ -7673,7 +8807,7 @@
         </p:nvCxnSpPr>
         <p:spPr>
           <a:xfrm>
-            <a:off x="1162050" y="1692548"/>
+            <a:off x="1292112" y="1641556"/>
             <a:ext cx="1301750" cy="0"/>
           </a:xfrm>
           <a:prstGeom prst="line">
@@ -7711,8 +8845,8 @@
         </p:nvSpPr>
         <p:spPr>
           <a:xfrm>
-            <a:off x="5944281" y="232321"/>
-            <a:ext cx="10058400" cy="1449387"/>
+            <a:off x="7076661" y="313486"/>
+            <a:ext cx="6382026" cy="1449387"/>
           </a:xfrm>
           <a:prstGeom prst="rect">
             <a:avLst/>
@@ -7769,7 +8903,7 @@
         </p:nvCxnSpPr>
         <p:spPr>
           <a:xfrm>
-            <a:off x="5944281" y="1672456"/>
+            <a:off x="7164210" y="1731401"/>
             <a:ext cx="1243919" cy="0"/>
           </a:xfrm>
           <a:prstGeom prst="line">
@@ -7791,6 +8925,239 @@
           </a:fontRef>
         </p:style>
       </p:cxnSp>
+      <p:sp>
+        <p:nvSpPr>
+          <p:cNvPr id="5" name="TextBox 4">
+            <a:extLst>
+              <a:ext uri="{FF2B5EF4-FFF2-40B4-BE49-F238E27FC236}">
+                <a16:creationId xmlns:a16="http://schemas.microsoft.com/office/drawing/2014/main" id="{A3CE2097-9055-46D4-BB9D-6469006A15C5}"/>
+              </a:ext>
+            </a:extLst>
+          </p:cNvPr>
+          <p:cNvSpPr txBox="1"/>
+          <p:nvPr/>
+        </p:nvSpPr>
+        <p:spPr>
+          <a:xfrm>
+            <a:off x="1026941" y="1955799"/>
+            <a:ext cx="4403188" cy="3477875"/>
+          </a:xfrm>
+          <a:prstGeom prst="rect">
+            <a:avLst/>
+          </a:prstGeom>
+          <a:noFill/>
+        </p:spPr>
+        <p:txBody>
+          <a:bodyPr wrap="square" rtlCol="0">
+            <a:spAutoFit/>
+          </a:bodyPr>
+          <a:lstStyle/>
+          <a:p>
+            <a:pPr marL="285750" indent="-285750">
+              <a:buClr>
+                <a:schemeClr val="accent2"/>
+              </a:buClr>
+              <a:buFont typeface="Arial" panose="020B0604020202020204" pitchFamily="34" charset="0"/>
+              <a:buChar char="•"/>
+            </a:pPr>
+            <a:r>
+              <a:rPr lang="en-US" sz="2000" dirty="0"/>
+              <a:t>Simulating the actions and interactions of autonomous agents</a:t>
+            </a:r>
+          </a:p>
+          <a:p>
+            <a:pPr marL="285750" indent="-285750">
+              <a:buClr>
+                <a:schemeClr val="accent2"/>
+              </a:buClr>
+              <a:buFont typeface="Arial" panose="020B0604020202020204" pitchFamily="34" charset="0"/>
+              <a:buChar char="•"/>
+            </a:pPr>
+            <a:endParaRPr lang="en-US" sz="2000" dirty="0"/>
+          </a:p>
+          <a:p>
+            <a:pPr marL="285750" indent="-285750">
+              <a:buClr>
+                <a:schemeClr val="accent2"/>
+              </a:buClr>
+              <a:buFont typeface="Arial" panose="020B0604020202020204" pitchFamily="34" charset="0"/>
+              <a:buChar char="•"/>
+            </a:pPr>
+            <a:r>
+              <a:rPr lang="en-US" sz="2000" dirty="0"/>
+              <a:t>Behaviors through which individuals interact with one another.</a:t>
+            </a:r>
+          </a:p>
+          <a:p>
+            <a:pPr marL="285750" indent="-285750">
+              <a:buClr>
+                <a:schemeClr val="accent2"/>
+              </a:buClr>
+              <a:buFont typeface="Arial" panose="020B0604020202020204" pitchFamily="34" charset="0"/>
+              <a:buChar char="•"/>
+            </a:pPr>
+            <a:endParaRPr lang="en-US" sz="2000" dirty="0"/>
+          </a:p>
+          <a:p>
+            <a:pPr marL="285750" indent="-285750">
+              <a:buClr>
+                <a:schemeClr val="accent2"/>
+              </a:buClr>
+              <a:buFont typeface="Arial" panose="020B0604020202020204" pitchFamily="34" charset="0"/>
+              <a:buChar char="•"/>
+            </a:pPr>
+            <a:r>
+              <a:rPr lang="en-US" sz="2000" dirty="0"/>
+              <a:t>Discrete</a:t>
+            </a:r>
+          </a:p>
+          <a:p>
+            <a:pPr marL="285750" indent="-285750">
+              <a:buClr>
+                <a:schemeClr val="accent2"/>
+              </a:buClr>
+              <a:buFont typeface="Arial" panose="020B0604020202020204" pitchFamily="34" charset="0"/>
+              <a:buChar char="•"/>
+            </a:pPr>
+            <a:endParaRPr lang="en-US" sz="2000" dirty="0"/>
+          </a:p>
+          <a:p>
+            <a:pPr marL="285750" indent="-285750">
+              <a:buClr>
+                <a:schemeClr val="accent2"/>
+              </a:buClr>
+              <a:buFont typeface="Arial" panose="020B0604020202020204" pitchFamily="34" charset="0"/>
+              <a:buChar char="•"/>
+            </a:pPr>
+            <a:endParaRPr lang="en-US" sz="2000" dirty="0"/>
+          </a:p>
+          <a:p>
+            <a:pPr marL="285750" indent="-285750">
+              <a:buClr>
+                <a:schemeClr val="accent2"/>
+              </a:buClr>
+              <a:buFont typeface="Arial" panose="020B0604020202020204" pitchFamily="34" charset="0"/>
+              <a:buChar char="•"/>
+            </a:pPr>
+            <a:endParaRPr lang="en-US" sz="2000" dirty="0"/>
+          </a:p>
+          <a:p>
+            <a:pPr marL="285750" indent="-285750">
+              <a:buClr>
+                <a:schemeClr val="accent2"/>
+              </a:buClr>
+              <a:buFont typeface="Arial" panose="020B0604020202020204" pitchFamily="34" charset="0"/>
+              <a:buChar char="•"/>
+            </a:pPr>
+            <a:endParaRPr lang="nl-NL" sz="2000" dirty="0"/>
+          </a:p>
+        </p:txBody>
+      </p:sp>
+      <p:sp>
+        <p:nvSpPr>
+          <p:cNvPr id="6" name="TextBox 5">
+            <a:extLst>
+              <a:ext uri="{FF2B5EF4-FFF2-40B4-BE49-F238E27FC236}">
+                <a16:creationId xmlns:a16="http://schemas.microsoft.com/office/drawing/2014/main" id="{0CF1DA89-DBA9-4D57-B2C9-250D5ED0C2CA}"/>
+              </a:ext>
+            </a:extLst>
+          </p:cNvPr>
+          <p:cNvSpPr txBox="1"/>
+          <p:nvPr/>
+        </p:nvSpPr>
+        <p:spPr>
+          <a:xfrm>
+            <a:off x="6891208" y="1975065"/>
+            <a:ext cx="4273851" cy="3170099"/>
+          </a:xfrm>
+          <a:prstGeom prst="rect">
+            <a:avLst/>
+          </a:prstGeom>
+          <a:noFill/>
+        </p:spPr>
+        <p:txBody>
+          <a:bodyPr wrap="square" rtlCol="0">
+            <a:spAutoFit/>
+          </a:bodyPr>
+          <a:lstStyle/>
+          <a:p>
+            <a:pPr marL="285750" indent="-285750">
+              <a:buClr>
+                <a:schemeClr val="accent2"/>
+              </a:buClr>
+              <a:buFont typeface="Arial" panose="020B0604020202020204" pitchFamily="34" charset="0"/>
+              <a:buChar char="•"/>
+            </a:pPr>
+            <a:r>
+              <a:rPr lang="en-US" sz="2000" dirty="0"/>
+              <a:t>Set of equations that expresses relationships among observables:</a:t>
+            </a:r>
+          </a:p>
+          <a:p>
+            <a:pPr marL="742950" lvl="1" indent="-285750">
+              <a:buClr>
+                <a:schemeClr val="accent2"/>
+              </a:buClr>
+              <a:buFont typeface="Arial" panose="020B0604020202020204" pitchFamily="34" charset="0"/>
+              <a:buChar char="•"/>
+            </a:pPr>
+            <a:r>
+              <a:rPr lang="en-US" sz="2000" dirty="0"/>
+              <a:t>Time-varying ordinary differential equations (ODE)</a:t>
+            </a:r>
+          </a:p>
+          <a:p>
+            <a:pPr marL="742950" lvl="1" indent="-285750">
+              <a:buClr>
+                <a:schemeClr val="accent2"/>
+              </a:buClr>
+              <a:buFont typeface="Arial" panose="020B0604020202020204" pitchFamily="34" charset="0"/>
+              <a:buChar char="•"/>
+            </a:pPr>
+            <a:r>
+              <a:rPr lang="en-US" sz="2000" dirty="0"/>
+              <a:t>Space- time varying partial differential equations (PDE)</a:t>
+            </a:r>
+          </a:p>
+          <a:p>
+            <a:pPr marL="742950" lvl="1" indent="-285750">
+              <a:buClr>
+                <a:schemeClr val="accent2"/>
+              </a:buClr>
+              <a:buFont typeface="Arial" panose="020B0604020202020204" pitchFamily="34" charset="0"/>
+              <a:buChar char="•"/>
+            </a:pPr>
+            <a:endParaRPr lang="en-US" sz="2000" dirty="0"/>
+          </a:p>
+          <a:p>
+            <a:pPr marL="285750" indent="-285750">
+              <a:buClr>
+                <a:schemeClr val="accent2"/>
+              </a:buClr>
+              <a:buFont typeface="Arial" panose="020B0604020202020204" pitchFamily="34" charset="0"/>
+              <a:buChar char="•"/>
+            </a:pPr>
+            <a:r>
+              <a:rPr lang="nl-NL" sz="2000" dirty="0"/>
+              <a:t>Continuous</a:t>
+            </a:r>
+            <a:endParaRPr lang="en-US" sz="2400" dirty="0"/>
+          </a:p>
+          <a:p>
+            <a:pPr marL="285750" indent="-285750">
+              <a:buClr>
+                <a:schemeClr val="accent2"/>
+              </a:buClr>
+              <a:buFont typeface="Arial" panose="020B0604020202020204" pitchFamily="34" charset="0"/>
+              <a:buChar char="•"/>
+            </a:pPr>
+            <a:endParaRPr lang="en-US" sz="2000" dirty="0"/>
+          </a:p>
+          <a:p>
+            <a:endParaRPr lang="nl-NL" sz="2000" dirty="0"/>
+          </a:p>
+        </p:txBody>
+      </p:sp>
     </p:spTree>
     <p:extLst>
       <p:ext uri="{BB962C8B-B14F-4D97-AF65-F5344CB8AC3E}">
@@ -8170,6 +9537,11 @@
           <a:prstGeom prst="rect">
             <a:avLst/>
           </a:prstGeom>
+          <a:ln>
+            <a:solidFill>
+              <a:srgbClr val="C00000"/>
+            </a:solidFill>
+          </a:ln>
         </p:spPr>
         <p:txBody>
           <a:bodyPr wrap="square">
@@ -8250,6 +9622,12 @@
           <a:prstGeom prst="rect">
             <a:avLst/>
           </a:prstGeom>
+          <a:ln w="12700">
+            <a:solidFill>
+              <a:schemeClr val="accent2"/>
+            </a:solidFill>
+          </a:ln>
+          <a:effectLst/>
         </p:spPr>
         <p:txBody>
           <a:bodyPr wrap="square">
@@ -8326,6 +9704,11 @@
           <a:prstGeom prst="rect">
             <a:avLst/>
           </a:prstGeom>
+          <a:ln>
+            <a:solidFill>
+              <a:schemeClr val="accent2"/>
+            </a:solidFill>
+          </a:ln>
         </p:spPr>
         <p:txBody>
           <a:bodyPr wrap="square">
@@ -8951,7 +10334,7 @@
           <p:cNvPr id="2" name="Title 1">
             <a:extLst>
               <a:ext uri="{FF2B5EF4-FFF2-40B4-BE49-F238E27FC236}">
-                <a16:creationId xmlns:a16="http://schemas.microsoft.com/office/drawing/2014/main" id="{5E32DAC2-BEFD-4A05-8854-7A1BDEF6DD65}"/>
+                <a16:creationId xmlns:a16="http://schemas.microsoft.com/office/drawing/2014/main" id="{3B002F0A-7382-4189-82F8-3228C3E1D6A1}"/>
               </a:ext>
             </a:extLst>
           </p:cNvPr>
@@ -8964,101 +10347,47 @@
         </p:nvSpPr>
         <p:spPr>
           <a:xfrm>
-            <a:off x="742950" y="639763"/>
-            <a:ext cx="10058400" cy="1449387"/>
-          </a:xfrm>
-        </p:spPr>
-        <p:txBody>
-          <a:bodyPr/>
+            <a:off x="947428" y="1378454"/>
+            <a:ext cx="10767289" cy="1449387"/>
+          </a:xfrm>
+        </p:spPr>
+        <p:txBody>
+          <a:bodyPr>
+            <a:normAutofit fontScale="90000"/>
+          </a:bodyPr>
           <a:lstStyle/>
           <a:p>
+            <a:br>
+              <a:rPr lang="en-US" b="1" i="1" dirty="0"/>
+            </a:br>
+            <a:r>
+              <a:rPr lang="en-US" b="1" dirty="0" err="1"/>
+              <a:t>Ziraldo</a:t>
+            </a:r>
             <a:r>
               <a:rPr lang="en-US" b="1" dirty="0"/>
-              <a:t>Research Questions + Aim:</a:t>
+              <a:t> et al.  2013 ~</a:t>
             </a:r>
             <a:br>
-              <a:rPr lang="nl-NL" dirty="0"/>
+              <a:rPr lang="en-US" b="1" i="1" dirty="0"/>
+            </a:br>
+            <a:r>
+              <a:rPr lang="en-US" sz="5300" dirty="0"/>
+              <a:t>Computational Modeling of Inflammation and Wound Healing </a:t>
+            </a:r>
+            <a:br>
+              <a:rPr lang="en-US" sz="5300" dirty="0"/>
             </a:br>
             <a:endParaRPr lang="nl-NL" dirty="0"/>
           </a:p>
         </p:txBody>
       </p:sp>
-      <p:sp>
-        <p:nvSpPr>
-          <p:cNvPr id="3" name="Content Placeholder 2">
+      <p:cxnSp>
+        <p:nvCxnSpPr>
+          <p:cNvPr id="15" name="Straight Connector 14">
             <a:extLst>
               <a:ext uri="{FF2B5EF4-FFF2-40B4-BE49-F238E27FC236}">
-                <a16:creationId xmlns:a16="http://schemas.microsoft.com/office/drawing/2014/main" id="{5C64C442-8063-4FC1-AA1C-F6D8F2038B98}"/>
-              </a:ext>
-            </a:extLst>
-          </p:cNvPr>
-          <p:cNvSpPr>
-            <a:spLocks noGrp="1"/>
-          </p:cNvSpPr>
-          <p:nvPr>
-            <p:ph idx="4294967295"/>
-          </p:nvPr>
-        </p:nvSpPr>
-        <p:spPr>
-          <a:xfrm>
-            <a:off x="3082812" y="2608263"/>
-            <a:ext cx="10058400" cy="4022725"/>
-          </a:xfrm>
-        </p:spPr>
-        <p:txBody>
-          <a:bodyPr/>
-          <a:lstStyle/>
-          <a:p>
-            <a:pPr marL="457200" indent="-457200">
-              <a:buClrTx/>
-              <a:buFont typeface="+mj-lt"/>
-              <a:buAutoNum type="arabicPeriod"/>
-            </a:pPr>
-            <a:r>
-              <a:rPr lang="en-US" sz="1800" dirty="0">
-                <a:solidFill>
-                  <a:schemeClr val="tx1"/>
-                </a:solidFill>
-              </a:rPr>
-              <a:t>What causes a better healing of burn wounds? </a:t>
-            </a:r>
-            <a:endParaRPr lang="nl-NL" sz="1800" dirty="0">
-              <a:solidFill>
-                <a:schemeClr val="tx1"/>
-              </a:solidFill>
-            </a:endParaRPr>
-          </a:p>
-          <a:p>
-            <a:pPr marL="457200" indent="-457200">
-              <a:buClrTx/>
-              <a:buFont typeface="+mj-lt"/>
-              <a:buAutoNum type="arabicPeriod"/>
-            </a:pPr>
-            <a:r>
-              <a:rPr lang="en-US" sz="1800" dirty="0">
-                <a:solidFill>
-                  <a:schemeClr val="tx1"/>
-                </a:solidFill>
-              </a:rPr>
-              <a:t>What is the link between the AP model and the cutaneous wound healing model?</a:t>
-            </a:r>
-            <a:endParaRPr lang="nl-NL" sz="1800" dirty="0">
-              <a:solidFill>
-                <a:schemeClr val="tx1"/>
-              </a:solidFill>
-            </a:endParaRPr>
-          </a:p>
-          <a:p>
-            <a:endParaRPr lang="nl-NL" dirty="0"/>
-          </a:p>
-        </p:txBody>
-      </p:sp>
-      <p:cxnSp>
-        <p:nvCxnSpPr>
-          <p:cNvPr id="4" name="Straight Connector 3">
-            <a:extLst>
-              <a:ext uri="{FF2B5EF4-FFF2-40B4-BE49-F238E27FC236}">
-                <a16:creationId xmlns:a16="http://schemas.microsoft.com/office/drawing/2014/main" id="{E8178395-DEF3-4E1A-A7D4-D9DA2E5B8DFB}"/>
+                <a16:creationId xmlns:a16="http://schemas.microsoft.com/office/drawing/2014/main" id="{F0861455-184F-4A9B-BF47-926D213409CE}"/>
               </a:ext>
             </a:extLst>
           </p:cNvPr>
@@ -9069,8 +10398,8 @@
         </p:nvCxnSpPr>
         <p:spPr>
           <a:xfrm>
-            <a:off x="853962" y="1521098"/>
-            <a:ext cx="7747113" cy="0"/>
+            <a:off x="1106658" y="2229095"/>
+            <a:ext cx="9163853" cy="0"/>
           </a:xfrm>
           <a:prstGeom prst="line">
             <a:avLst/>
@@ -9091,48 +10420,178 @@
           </a:fontRef>
         </p:style>
       </p:cxnSp>
-      <p:pic>
-        <p:nvPicPr>
-          <p:cNvPr id="9" name="Picture 8">
+      <p:sp>
+        <p:nvSpPr>
+          <p:cNvPr id="5" name="TextBox 4">
             <a:extLst>
               <a:ext uri="{FF2B5EF4-FFF2-40B4-BE49-F238E27FC236}">
-                <a16:creationId xmlns:a16="http://schemas.microsoft.com/office/drawing/2014/main" id="{CB97A1B8-53DC-445A-8D70-13AC8365404C}"/>
+                <a16:creationId xmlns:a16="http://schemas.microsoft.com/office/drawing/2014/main" id="{A3CE2097-9055-46D4-BB9D-6469006A15C5}"/>
               </a:ext>
             </a:extLst>
           </p:cNvPr>
-          <p:cNvPicPr>
-            <a:picLocks noChangeAspect="1"/>
-          </p:cNvPicPr>
+          <p:cNvSpPr txBox="1"/>
           <p:nvPr/>
-        </p:nvPicPr>
-        <p:blipFill>
-          <a:blip r:embed="rId2">
+        </p:nvSpPr>
+        <p:spPr>
+          <a:xfrm>
+            <a:off x="947428" y="2229095"/>
+            <a:ext cx="4403188" cy="1323439"/>
+          </a:xfrm>
+          <a:prstGeom prst="rect">
+            <a:avLst/>
+          </a:prstGeom>
+          <a:noFill/>
+        </p:spPr>
+        <p:txBody>
+          <a:bodyPr wrap="square" rtlCol="0">
+            <a:spAutoFit/>
+          </a:bodyPr>
+          <a:lstStyle/>
+          <a:p>
+            <a:pPr marL="285750" indent="-285750">
+              <a:buClr>
+                <a:schemeClr val="accent2"/>
+              </a:buClr>
+              <a:buFont typeface="Arial" panose="020B0604020202020204" pitchFamily="34" charset="0"/>
+              <a:buChar char="•"/>
+            </a:pPr>
+            <a:endParaRPr lang="en-US" sz="2000" dirty="0"/>
+          </a:p>
+          <a:p>
+            <a:pPr marL="285750" indent="-285750">
+              <a:buClr>
+                <a:schemeClr val="accent2"/>
+              </a:buClr>
+              <a:buFont typeface="Arial" panose="020B0604020202020204" pitchFamily="34" charset="0"/>
+              <a:buChar char="•"/>
+            </a:pPr>
+            <a:r>
+              <a:rPr lang="en-US" sz="2000" dirty="0" err="1"/>
+              <a:t>blabla</a:t>
+            </a:r>
+            <a:endParaRPr lang="en-US" sz="2000" dirty="0"/>
+          </a:p>
+          <a:p>
+            <a:pPr marL="285750" indent="-285750">
+              <a:buClr>
+                <a:schemeClr val="accent2"/>
+              </a:buClr>
+              <a:buFont typeface="Arial" panose="020B0604020202020204" pitchFamily="34" charset="0"/>
+              <a:buChar char="•"/>
+            </a:pPr>
+            <a:endParaRPr lang="en-US" sz="2000" dirty="0"/>
+          </a:p>
+          <a:p>
+            <a:pPr marL="285750" indent="-285750">
+              <a:buClr>
+                <a:schemeClr val="accent2"/>
+              </a:buClr>
+              <a:buFont typeface="Arial" panose="020B0604020202020204" pitchFamily="34" charset="0"/>
+              <a:buChar char="•"/>
+            </a:pPr>
+            <a:endParaRPr lang="nl-NL" sz="2000" dirty="0"/>
+          </a:p>
+        </p:txBody>
+      </p:sp>
+    </p:spTree>
+    <p:extLst>
+      <p:ext uri="{BB962C8B-B14F-4D97-AF65-F5344CB8AC3E}">
+        <p14:creationId xmlns:p14="http://schemas.microsoft.com/office/powerpoint/2010/main" val="2646147823"/>
+      </p:ext>
+    </p:extLst>
+  </p:cSld>
+  <p:clrMapOvr>
+    <a:masterClrMapping/>
+  </p:clrMapOvr>
+</p:sld>
+</file>
+
+<file path=ppt/slides/slide9.xml><?xml version="1.0" encoding="utf-8"?>
+<p:sld xmlns:a="http://schemas.openxmlformats.org/drawingml/2006/main" xmlns:r="http://schemas.openxmlformats.org/officeDocument/2006/relationships" xmlns:p="http://schemas.openxmlformats.org/presentationml/2006/main">
+  <p:cSld>
+    <p:bg>
+      <p:bgPr>
+        <a:solidFill>
+          <a:schemeClr val="accent5">
+            <a:lumMod val="20000"/>
+            <a:lumOff val="80000"/>
+          </a:schemeClr>
+        </a:solidFill>
+        <a:effectLst/>
+      </p:bgPr>
+    </p:bg>
+    <p:spTree>
+      <p:nvGrpSpPr>
+        <p:cNvPr id="1" name=""/>
+        <p:cNvGrpSpPr/>
+        <p:nvPr/>
+      </p:nvGrpSpPr>
+      <p:grpSpPr>
+        <a:xfrm>
+          <a:off x="0" y="0"/>
+          <a:ext cx="0" cy="0"/>
+          <a:chOff x="0" y="0"/>
+          <a:chExt cx="0" cy="0"/>
+        </a:xfrm>
+      </p:grpSpPr>
+      <p:sp>
+        <p:nvSpPr>
+          <p:cNvPr id="2" name="Title 1">
             <a:extLst>
-              <a:ext uri="{28A0092B-C50C-407E-A947-70E740481C1C}">
-                <a14:useLocalDpi xmlns:a14="http://schemas.microsoft.com/office/drawing/2010/main" val="0"/>
+              <a:ext uri="{FF2B5EF4-FFF2-40B4-BE49-F238E27FC236}">
+                <a16:creationId xmlns:a16="http://schemas.microsoft.com/office/drawing/2014/main" id="{3B002F0A-7382-4189-82F8-3228C3E1D6A1}"/>
               </a:ext>
             </a:extLst>
-          </a:blip>
-          <a:stretch>
-            <a:fillRect/>
-          </a:stretch>
-        </p:blipFill>
-        <p:spPr>
-          <a:xfrm>
-            <a:off x="1598356" y="4337324"/>
-            <a:ext cx="1073283" cy="1073283"/>
-          </a:xfrm>
-          <a:prstGeom prst="rect">
-            <a:avLst/>
-          </a:prstGeom>
-        </p:spPr>
-      </p:pic>
+          </p:cNvPr>
+          <p:cNvSpPr>
+            <a:spLocks noGrp="1"/>
+          </p:cNvSpPr>
+          <p:nvPr>
+            <p:ph type="title" idx="4294967295"/>
+          </p:nvPr>
+        </p:nvSpPr>
+        <p:spPr>
+          <a:xfrm>
+            <a:off x="1159667" y="1737797"/>
+            <a:ext cx="10767289" cy="1449387"/>
+          </a:xfrm>
+        </p:spPr>
+        <p:txBody>
+          <a:bodyPr>
+            <a:normAutofit fontScale="90000"/>
+          </a:bodyPr>
+          <a:lstStyle/>
+          <a:p>
+            <a:br>
+              <a:rPr lang="en-US" b="1" i="1" dirty="0"/>
+            </a:br>
+            <a:r>
+              <a:rPr lang="en-US" sz="5300" b="1" dirty="0"/>
+              <a:t>Boon et al. 2016 ~</a:t>
+            </a:r>
+            <a:br>
+              <a:rPr lang="en-US" sz="5300" dirty="0"/>
+            </a:br>
+            <a:r>
+              <a:rPr lang="en-US" sz="5300" dirty="0"/>
+              <a:t>A multi-agent cell-based model for wound contraction</a:t>
+            </a:r>
+            <a:br>
+              <a:rPr lang="nl-NL" sz="5400" dirty="0"/>
+            </a:br>
+            <a:br>
+              <a:rPr lang="en-US" b="1" i="1" dirty="0"/>
+            </a:br>
+            <a:endParaRPr lang="nl-NL" dirty="0"/>
+          </a:p>
+        </p:txBody>
+      </p:sp>
       <p:cxnSp>
         <p:nvCxnSpPr>
-          <p:cNvPr id="10" name="Straight Connector 9">
+          <p:cNvPr id="15" name="Straight Connector 14">
             <a:extLst>
               <a:ext uri="{FF2B5EF4-FFF2-40B4-BE49-F238E27FC236}">
-                <a16:creationId xmlns:a16="http://schemas.microsoft.com/office/drawing/2014/main" id="{3868A95B-109C-4FEC-883F-FF87E831F168}"/>
+                <a16:creationId xmlns:a16="http://schemas.microsoft.com/office/drawing/2014/main" id="{F0861455-184F-4A9B-BF47-926D213409CE}"/>
               </a:ext>
             </a:extLst>
           </p:cNvPr>
@@ -9143,8 +10602,8 @@
         </p:nvCxnSpPr>
         <p:spPr>
           <a:xfrm>
-            <a:off x="1493772" y="3574870"/>
-            <a:ext cx="1183298" cy="0"/>
+            <a:off x="1159667" y="2025869"/>
+            <a:ext cx="9163853" cy="0"/>
           </a:xfrm>
           <a:prstGeom prst="line">
             <a:avLst/>
@@ -9165,86 +10624,12 @@
           </a:fontRef>
         </p:style>
       </p:cxnSp>
-      <p:cxnSp>
-        <p:nvCxnSpPr>
-          <p:cNvPr id="14" name="Straight Connector 13">
+      <p:sp>
+        <p:nvSpPr>
+          <p:cNvPr id="5" name="TextBox 4">
             <a:extLst>
               <a:ext uri="{FF2B5EF4-FFF2-40B4-BE49-F238E27FC236}">
-                <a16:creationId xmlns:a16="http://schemas.microsoft.com/office/drawing/2014/main" id="{60B1BF88-A4AB-4C18-805A-AF9BD9B3876A}"/>
-              </a:ext>
-            </a:extLst>
-          </p:cNvPr>
-          <p:cNvCxnSpPr>
-            <a:cxnSpLocks/>
-          </p:cNvCxnSpPr>
-          <p:nvPr/>
-        </p:nvCxnSpPr>
-        <p:spPr>
-          <a:xfrm>
-            <a:off x="1488341" y="5575120"/>
-            <a:ext cx="1183298" cy="0"/>
-          </a:xfrm>
-          <a:prstGeom prst="line">
-            <a:avLst/>
-          </a:prstGeom>
-        </p:spPr>
-        <p:style>
-          <a:lnRef idx="3">
-            <a:schemeClr val="accent2"/>
-          </a:lnRef>
-          <a:fillRef idx="0">
-            <a:schemeClr val="accent2"/>
-          </a:fillRef>
-          <a:effectRef idx="2">
-            <a:schemeClr val="accent2"/>
-          </a:effectRef>
-          <a:fontRef idx="minor">
-            <a:schemeClr val="tx1"/>
-          </a:fontRef>
-        </p:style>
-      </p:cxnSp>
-      <p:pic>
-        <p:nvPicPr>
-          <p:cNvPr id="16" name="Picture 15">
-            <a:extLst>
-              <a:ext uri="{FF2B5EF4-FFF2-40B4-BE49-F238E27FC236}">
-                <a16:creationId xmlns:a16="http://schemas.microsoft.com/office/drawing/2014/main" id="{C363CC9B-C18D-4792-9112-8E8B2F8636AD}"/>
-              </a:ext>
-            </a:extLst>
-          </p:cNvPr>
-          <p:cNvPicPr>
-            <a:picLocks noChangeAspect="1"/>
-          </p:cNvPicPr>
-          <p:nvPr/>
-        </p:nvPicPr>
-        <p:blipFill>
-          <a:blip r:embed="rId3">
-            <a:extLst>
-              <a:ext uri="{28A0092B-C50C-407E-A947-70E740481C1C}">
-                <a14:useLocalDpi xmlns:a14="http://schemas.microsoft.com/office/drawing/2010/main" val="0"/>
-              </a:ext>
-            </a:extLst>
-          </a:blip>
-          <a:stretch>
-            <a:fillRect/>
-          </a:stretch>
-        </p:blipFill>
-        <p:spPr>
-          <a:xfrm>
-            <a:off x="1608072" y="2466521"/>
-            <a:ext cx="943836" cy="943836"/>
-          </a:xfrm>
-          <a:prstGeom prst="rect">
-            <a:avLst/>
-          </a:prstGeom>
-        </p:spPr>
-      </p:pic>
-      <p:sp>
-        <p:nvSpPr>
-          <p:cNvPr id="17" name="TextBox 16">
-            <a:extLst>
-              <a:ext uri="{FF2B5EF4-FFF2-40B4-BE49-F238E27FC236}">
-                <a16:creationId xmlns:a16="http://schemas.microsoft.com/office/drawing/2014/main" id="{D8460B85-0DC0-4EAC-B38F-D4361F110C6A}"/>
+                <a16:creationId xmlns:a16="http://schemas.microsoft.com/office/drawing/2014/main" id="{A3CE2097-9055-46D4-BB9D-6469006A15C5}"/>
               </a:ext>
             </a:extLst>
           </p:cNvPr>
@@ -9253,194 +10638,8 @@
         </p:nvSpPr>
         <p:spPr>
           <a:xfrm>
-            <a:off x="3202543" y="4690571"/>
-            <a:ext cx="6793013" cy="646331"/>
-          </a:xfrm>
-          <a:prstGeom prst="rect">
-            <a:avLst/>
-          </a:prstGeom>
-          <a:noFill/>
-        </p:spPr>
-        <p:txBody>
-          <a:bodyPr wrap="none" rtlCol="0">
-            <a:spAutoFit/>
-          </a:bodyPr>
-          <a:lstStyle/>
-          <a:p>
-            <a:r>
-              <a:rPr lang="en-US" dirty="0"/>
-              <a:t>A novel computational framework combining the AP and ABM models </a:t>
-            </a:r>
-          </a:p>
-          <a:p>
-            <a:r>
-              <a:rPr lang="en-US" dirty="0"/>
-              <a:t>to simulate the healing of burn wounds</a:t>
-            </a:r>
-            <a:endParaRPr lang="nl-NL" dirty="0"/>
-          </a:p>
-        </p:txBody>
-      </p:sp>
-    </p:spTree>
-    <p:extLst>
-      <p:ext uri="{BB962C8B-B14F-4D97-AF65-F5344CB8AC3E}">
-        <p14:creationId xmlns:p14="http://schemas.microsoft.com/office/powerpoint/2010/main" val="3684365455"/>
-      </p:ext>
-    </p:extLst>
-  </p:cSld>
-  <p:clrMapOvr>
-    <a:masterClrMapping/>
-  </p:clrMapOvr>
-</p:sld>
-</file>
-
-<file path=ppt/slides/slide9.xml><?xml version="1.0" encoding="utf-8"?>
-<p:sld xmlns:a="http://schemas.openxmlformats.org/drawingml/2006/main" xmlns:r="http://schemas.openxmlformats.org/officeDocument/2006/relationships" xmlns:p="http://schemas.openxmlformats.org/presentationml/2006/main">
-  <p:cSld>
-    <p:spTree>
-      <p:nvGrpSpPr>
-        <p:cNvPr id="1" name=""/>
-        <p:cNvGrpSpPr/>
-        <p:nvPr/>
-      </p:nvGrpSpPr>
-      <p:grpSpPr>
-        <a:xfrm>
-          <a:off x="0" y="0"/>
-          <a:ext cx="0" cy="0"/>
-          <a:chOff x="0" y="0"/>
-          <a:chExt cx="0" cy="0"/>
-        </a:xfrm>
-      </p:grpSpPr>
-      <p:sp>
-        <p:nvSpPr>
-          <p:cNvPr id="2" name="Title 1">
-            <a:extLst>
-              <a:ext uri="{FF2B5EF4-FFF2-40B4-BE49-F238E27FC236}">
-                <a16:creationId xmlns:a16="http://schemas.microsoft.com/office/drawing/2014/main" id="{A06B18A9-C162-40D6-A04A-406120C5D899}"/>
-              </a:ext>
-            </a:extLst>
-          </p:cNvPr>
-          <p:cNvSpPr>
-            <a:spLocks noGrp="1"/>
-          </p:cNvSpPr>
-          <p:nvPr>
-            <p:ph type="title"/>
-          </p:nvPr>
-        </p:nvSpPr>
-        <p:spPr>
-          <a:xfrm>
-            <a:off x="570866" y="2160549"/>
-            <a:ext cx="10058400" cy="1450757"/>
-          </a:xfrm>
-        </p:spPr>
-        <p:txBody>
-          <a:bodyPr/>
-          <a:lstStyle/>
-          <a:p>
-            <a:r>
-              <a:rPr lang="nl-NL" b="1" dirty="0"/>
-              <a:t>Proposal</a:t>
-            </a:r>
-          </a:p>
-        </p:txBody>
-      </p:sp>
-      <p:pic>
-        <p:nvPicPr>
-          <p:cNvPr id="1026" name="Picture 2" descr="Afbeeldingsresultaat voor proposal">
-            <a:extLst>
-              <a:ext uri="{FF2B5EF4-FFF2-40B4-BE49-F238E27FC236}">
-                <a16:creationId xmlns:a16="http://schemas.microsoft.com/office/drawing/2014/main" id="{09D4B3C8-957B-4EBB-82C2-F8F72620AE4C}"/>
-              </a:ext>
-            </a:extLst>
-          </p:cNvPr>
-          <p:cNvPicPr>
-            <a:picLocks noChangeAspect="1" noChangeArrowheads="1"/>
-          </p:cNvPicPr>
-          <p:nvPr/>
-        </p:nvPicPr>
-        <p:blipFill rotWithShape="1">
-          <a:blip r:embed="rId3">
-            <a:extLst>
-              <a:ext uri="{28A0092B-C50C-407E-A947-70E740481C1C}">
-                <a14:useLocalDpi xmlns:a14="http://schemas.microsoft.com/office/drawing/2010/main" val="0"/>
-              </a:ext>
-            </a:extLst>
-          </a:blip>
-          <a:srcRect r="-136" b="23369"/>
-          <a:stretch/>
-        </p:blipFill>
-        <p:spPr bwMode="auto">
-          <a:xfrm>
-            <a:off x="-189548" y="-2002354"/>
-            <a:ext cx="12571095" cy="4810125"/>
-          </a:xfrm>
-          <a:prstGeom prst="rect">
-            <a:avLst/>
-          </a:prstGeom>
-          <a:noFill/>
-          <a:extLst>
-            <a:ext uri="{909E8E84-426E-40DD-AFC4-6F175D3DCCD1}">
-              <a14:hiddenFill xmlns:a14="http://schemas.microsoft.com/office/drawing/2010/main">
-                <a:solidFill>
-                  <a:srgbClr val="FFFFFF"/>
-                </a:solidFill>
-              </a14:hiddenFill>
-            </a:ext>
-          </a:extLst>
-        </p:spPr>
-      </p:pic>
-      <p:cxnSp>
-        <p:nvCxnSpPr>
-          <p:cNvPr id="5" name="Straight Connector 4">
-            <a:extLst>
-              <a:ext uri="{FF2B5EF4-FFF2-40B4-BE49-F238E27FC236}">
-                <a16:creationId xmlns:a16="http://schemas.microsoft.com/office/drawing/2014/main" id="{65C4FDA1-516A-4BE3-9350-4DFE8E16E466}"/>
-              </a:ext>
-            </a:extLst>
-          </p:cNvPr>
-          <p:cNvCxnSpPr/>
-          <p:nvPr/>
-        </p:nvCxnSpPr>
-        <p:spPr>
-          <a:xfrm>
-            <a:off x="671830" y="3611306"/>
-            <a:ext cx="2112645" cy="0"/>
-          </a:xfrm>
-          <a:prstGeom prst="line">
-            <a:avLst/>
-          </a:prstGeom>
-        </p:spPr>
-        <p:style>
-          <a:lnRef idx="3">
-            <a:schemeClr val="accent2"/>
-          </a:lnRef>
-          <a:fillRef idx="0">
-            <a:schemeClr val="accent2"/>
-          </a:fillRef>
-          <a:effectRef idx="2">
-            <a:schemeClr val="accent2"/>
-          </a:effectRef>
-          <a:fontRef idx="minor">
-            <a:schemeClr val="tx1"/>
-          </a:fontRef>
-        </p:style>
-      </p:cxnSp>
-      <p:sp>
-        <p:nvSpPr>
-          <p:cNvPr id="8" name="TextBox 7">
-            <a:extLst>
-              <a:ext uri="{FF2B5EF4-FFF2-40B4-BE49-F238E27FC236}">
-                <a16:creationId xmlns:a16="http://schemas.microsoft.com/office/drawing/2014/main" id="{889B050A-8FB5-4C94-A970-49EA915CCF9A}"/>
-              </a:ext>
-            </a:extLst>
-          </p:cNvPr>
-          <p:cNvSpPr txBox="1"/>
-          <p:nvPr/>
-        </p:nvSpPr>
-        <p:spPr>
-          <a:xfrm>
-            <a:off x="671830" y="3754441"/>
-            <a:ext cx="9653270" cy="2185214"/>
+            <a:off x="1338405" y="2525464"/>
+            <a:ext cx="4403188" cy="1323439"/>
           </a:xfrm>
           <a:prstGeom prst="rect">
             <a:avLst/>
@@ -9460,7 +10659,7 @@
               <a:buFont typeface="Arial" panose="020B0604020202020204" pitchFamily="34" charset="0"/>
               <a:buChar char="•"/>
             </a:pPr>
-            <a:endParaRPr lang="nl-NL" dirty="0"/>
+            <a:endParaRPr lang="en-US" sz="2000" dirty="0"/>
           </a:p>
           <a:p>
             <a:pPr marL="285750" indent="-285750">
@@ -9471,17 +10670,20 @@
               <a:buChar char="•"/>
             </a:pPr>
             <a:r>
-              <a:rPr lang="nl-NL" sz="2000" dirty="0"/>
-              <a:t>Discrete Spatio-temporal (</a:t>
-            </a:r>
-            <a:r>
-              <a:rPr lang="en-US" sz="2000" dirty="0"/>
-              <a:t>existing in both space and time)</a:t>
-            </a:r>
-            <a:r>
-              <a:rPr lang="nl-NL" sz="2000" dirty="0"/>
-              <a:t> Agent-Based Model combining both the immune response model and the ABM wound healing models</a:t>
-            </a:r>
+              <a:rPr lang="en-US" sz="2000" dirty="0" err="1"/>
+              <a:t>blabla</a:t>
+            </a:r>
+            <a:endParaRPr lang="en-US" sz="2000" dirty="0"/>
+          </a:p>
+          <a:p>
+            <a:pPr marL="285750" indent="-285750">
+              <a:buClr>
+                <a:schemeClr val="accent2"/>
+              </a:buClr>
+              <a:buFont typeface="Arial" panose="020B0604020202020204" pitchFamily="34" charset="0"/>
+              <a:buChar char="•"/>
+            </a:pPr>
+            <a:endParaRPr lang="en-US" sz="2000" dirty="0"/>
           </a:p>
           <a:p>
             <a:pPr marL="285750" indent="-285750">
@@ -9493,37 +10695,12 @@
             </a:pPr>
             <a:endParaRPr lang="nl-NL" sz="2000" dirty="0"/>
           </a:p>
-          <a:p>
-            <a:pPr marL="285750" indent="-285750">
-              <a:buClr>
-                <a:schemeClr val="accent2"/>
-              </a:buClr>
-              <a:buFont typeface="Arial" panose="020B0604020202020204" pitchFamily="34" charset="0"/>
-              <a:buChar char="•"/>
-            </a:pPr>
-            <a:r>
-              <a:rPr lang="en-US" sz="2000" dirty="0"/>
-              <a:t>The AP model will act like an </a:t>
-            </a:r>
-            <a:r>
-              <a:rPr lang="en-US" sz="2000" b="1" dirty="0"/>
-              <a:t>engine for the blood composition </a:t>
-            </a:r>
-            <a:r>
-              <a:rPr lang="en-US" sz="2000" dirty="0"/>
-              <a:t>of a 3-dimensional ABM model.</a:t>
-            </a:r>
-            <a:endParaRPr lang="nl-NL" sz="2000" dirty="0"/>
-          </a:p>
-          <a:p>
-            <a:endParaRPr lang="nl-NL" dirty="0"/>
-          </a:p>
         </p:txBody>
       </p:sp>
     </p:spTree>
     <p:extLst>
       <p:ext uri="{BB962C8B-B14F-4D97-AF65-F5344CB8AC3E}">
-        <p14:creationId xmlns:p14="http://schemas.microsoft.com/office/powerpoint/2010/main" val="67100627"/>
+        <p14:creationId xmlns:p14="http://schemas.microsoft.com/office/powerpoint/2010/main" val="3107393072"/>
       </p:ext>
     </p:extLst>
   </p:cSld>

--- a/Notes and Primers/research proposal ppt.pptx
+++ b/Notes and Primers/research proposal ppt.pptx
@@ -988,7 +988,24 @@
           <a:bodyPr/>
           <a:lstStyle/>
           <a:p>
-            <a:endParaRPr lang="nl-NL" dirty="0"/>
+            <a:pPr marL="285750" indent="-285750">
+              <a:buClr>
+                <a:schemeClr val="accent2"/>
+              </a:buClr>
+              <a:buFont typeface="Arial" panose="020B0604020202020204" pitchFamily="34" charset="0"/>
+              <a:buChar char="•"/>
+            </a:pPr>
+            <a:endParaRPr lang="en-US" sz="1200" dirty="0"/>
+          </a:p>
+          <a:p>
+            <a:pPr marL="285750" indent="-285750">
+              <a:buClr>
+                <a:schemeClr val="accent2"/>
+              </a:buClr>
+              <a:buFont typeface="Arial" panose="020B0604020202020204" pitchFamily="34" charset="0"/>
+              <a:buChar char="•"/>
+            </a:pPr>
+            <a:endParaRPr lang="nl-NL" sz="1200" dirty="0"/>
           </a:p>
         </p:txBody>
       </p:sp>
@@ -5382,8 +5399,8 @@
         </p:nvSpPr>
         <p:spPr>
           <a:xfrm>
-            <a:off x="1000437" y="2042597"/>
-            <a:ext cx="4403188" cy="1323439"/>
+            <a:off x="1288850" y="1953172"/>
+            <a:ext cx="4403188" cy="707886"/>
           </a:xfrm>
           <a:prstGeom prst="rect">
             <a:avLst/>
@@ -5413,31 +5430,110 @@
               <a:buFont typeface="Arial" panose="020B0604020202020204" pitchFamily="34" charset="0"/>
               <a:buChar char="•"/>
             </a:pPr>
-            <a:r>
-              <a:rPr lang="en-US" sz="2000" dirty="0" err="1"/>
-              <a:t>blabla</a:t>
-            </a:r>
-            <a:endParaRPr lang="en-US" sz="2000" dirty="0"/>
-          </a:p>
+            <a:endParaRPr lang="nl-NL" sz="2000" dirty="0"/>
+          </a:p>
+        </p:txBody>
+      </p:sp>
+      <p:sp>
+        <p:nvSpPr>
+          <p:cNvPr id="11" name="TextBox 10">
+            <a:extLst>
+              <a:ext uri="{FF2B5EF4-FFF2-40B4-BE49-F238E27FC236}">
+                <a16:creationId xmlns:a16="http://schemas.microsoft.com/office/drawing/2014/main" id="{81E6AB93-45B9-46E2-B3B1-0A7167A7747C}"/>
+              </a:ext>
+            </a:extLst>
+          </p:cNvPr>
+          <p:cNvSpPr txBox="1"/>
+          <p:nvPr/>
+        </p:nvSpPr>
+        <p:spPr>
+          <a:xfrm>
+            <a:off x="1106658" y="2524320"/>
+            <a:ext cx="8189844" cy="3416320"/>
+          </a:xfrm>
+          <a:prstGeom prst="rect">
+            <a:avLst/>
+          </a:prstGeom>
+          <a:noFill/>
+        </p:spPr>
+        <p:txBody>
+          <a:bodyPr wrap="square" rtlCol="0">
+            <a:spAutoFit/>
+          </a:bodyPr>
+          <a:lstStyle/>
           <a:p>
             <a:pPr marL="285750" indent="-285750">
-              <a:buClr>
-                <a:schemeClr val="accent2"/>
-              </a:buClr>
               <a:buFont typeface="Arial" panose="020B0604020202020204" pitchFamily="34" charset="0"/>
               <a:buChar char="•"/>
             </a:pPr>
-            <a:endParaRPr lang="en-US" sz="2000" dirty="0"/>
+            <a:r>
+              <a:rPr lang="en-US" sz="2400" dirty="0"/>
+              <a:t>2-Dimensional EBM model</a:t>
+            </a:r>
           </a:p>
           <a:p>
             <a:pPr marL="285750" indent="-285750">
-              <a:buClr>
-                <a:schemeClr val="accent2"/>
-              </a:buClr>
               <a:buFont typeface="Arial" panose="020B0604020202020204" pitchFamily="34" charset="0"/>
               <a:buChar char="•"/>
             </a:pPr>
-            <a:endParaRPr lang="nl-NL" sz="2000" dirty="0"/>
+            <a:r>
+              <a:rPr lang="en-US" sz="2400" dirty="0"/>
+              <a:t>Proliferation and Remodeling</a:t>
+            </a:r>
+          </a:p>
+          <a:p>
+            <a:pPr marL="285750" indent="-285750">
+              <a:buFont typeface="Arial" panose="020B0604020202020204" pitchFamily="34" charset="0"/>
+              <a:buChar char="•"/>
+            </a:pPr>
+            <a:r>
+              <a:rPr lang="nl-NL" sz="2400" dirty="0"/>
+              <a:t>Modeling Angiogenesis, Contraction and Re-epithelialization</a:t>
+            </a:r>
+          </a:p>
+          <a:p>
+            <a:pPr marL="285750" indent="-285750">
+              <a:buFont typeface="Arial" panose="020B0604020202020204" pitchFamily="34" charset="0"/>
+              <a:buChar char="•"/>
+            </a:pPr>
+            <a:endParaRPr lang="en-US" sz="2400" dirty="0"/>
+          </a:p>
+          <a:p>
+            <a:pPr marL="285750" indent="-285750">
+              <a:buFont typeface="Arial" panose="020B0604020202020204" pitchFamily="34" charset="0"/>
+              <a:buChar char="•"/>
+            </a:pPr>
+            <a:r>
+              <a:rPr lang="en-US" sz="2400" dirty="0"/>
+              <a:t>Including changes in relevant cell populations (Endothelial cells, Macrophages, Fibroblasts, Myofibroblasts, Keratinocytes) and their key effector cytokines (TGF-</a:t>
+            </a:r>
+            <a:r>
+              <a:rPr lang="el-GR" sz="2400" dirty="0"/>
+              <a:t>α</a:t>
+            </a:r>
+            <a:r>
+              <a:rPr lang="en-US" sz="2400" dirty="0"/>
+              <a:t>, FGF-7, PDGF, </a:t>
+            </a:r>
+            <a:r>
+              <a:rPr lang="nl-NL" sz="2400" dirty="0"/>
+              <a:t>TGF-</a:t>
+            </a:r>
+            <a:r>
+              <a:rPr lang="el-GR" sz="2400" dirty="0"/>
+              <a:t>β</a:t>
+            </a:r>
+            <a:r>
+              <a:rPr lang="nl-NL" sz="2400" dirty="0"/>
+              <a:t>1, FGF(1,2,4), VEGF), and mechanical loads</a:t>
+            </a:r>
+          </a:p>
+          <a:p>
+            <a:pPr marL="285750" indent="-285750">
+              <a:buFont typeface="Arial" panose="020B0604020202020204" pitchFamily="34" charset="0"/>
+              <a:buChar char="•"/>
+            </a:pPr>
+            <a:endParaRPr lang="nl-NL" sz="2400" dirty="0"/>
           </a:p>
         </p:txBody>
       </p:sp>
@@ -7643,7 +7739,7 @@
             </a:pPr>
             <a:r>
               <a:rPr lang="nl-NL" sz="2800" dirty="0"/>
-              <a:t>Research proposal</a:t>
+              <a:t>Proposal</a:t>
             </a:r>
           </a:p>
           <a:p>
@@ -8191,15 +8287,7 @@
             </a:r>
             <a:r>
               <a:rPr lang="en-US" sz="2400" dirty="0"/>
-              <a:t>the loss of the skin appendages and re-</a:t>
-            </a:r>
-            <a:r>
-              <a:rPr lang="en-US" sz="2400" dirty="0" err="1"/>
-              <a:t>epithelialisation</a:t>
-            </a:r>
-            <a:r>
-              <a:rPr lang="en-US" sz="2400" dirty="0"/>
-              <a:t>, which can only occur from the edges </a:t>
+              <a:t>the loss of the skin appendages and re-epithelialization, which can only occur from the edges </a:t>
             </a:r>
             <a:r>
               <a:rPr lang="nl-NL" sz="2400" dirty="0"/>
@@ -8438,7 +8526,7 @@
         <p:spPr>
           <a:xfrm>
             <a:off x="2571750" y="2568382"/>
-            <a:ext cx="5182957" cy="923330"/>
+            <a:ext cx="6741654" cy="923330"/>
           </a:xfrm>
           <a:prstGeom prst="rect">
             <a:avLst/>
@@ -8457,7 +8545,7 @@
             </a:r>
             <a:r>
               <a:rPr lang="en-US" b="1" dirty="0"/>
-              <a:t>ABM</a:t>
+              <a:t>ABM/EBM</a:t>
             </a:r>
             <a:r>
               <a:rPr lang="en-US" dirty="0"/>
@@ -8475,11 +8563,11 @@
             </a:r>
             <a:r>
               <a:rPr lang="en-US" b="1" dirty="0"/>
-              <a:t>wound healing</a:t>
+              <a:t>wound healing </a:t>
             </a:r>
             <a:r>
               <a:rPr lang="en-US" dirty="0"/>
-              <a:t>. </a:t>
+              <a:t>(Inflammation, Proliferation, Remodeling) </a:t>
             </a:r>
           </a:p>
           <a:p>
@@ -10435,7 +10523,7 @@
         <p:spPr>
           <a:xfrm>
             <a:off x="947428" y="2229095"/>
-            <a:ext cx="4403188" cy="1323439"/>
+            <a:ext cx="4403188" cy="400110"/>
           </a:xfrm>
           <a:prstGeom prst="rect">
             <a:avLst/>
@@ -10447,40 +10535,6 @@
             <a:spAutoFit/>
           </a:bodyPr>
           <a:lstStyle/>
-          <a:p>
-            <a:pPr marL="285750" indent="-285750">
-              <a:buClr>
-                <a:schemeClr val="accent2"/>
-              </a:buClr>
-              <a:buFont typeface="Arial" panose="020B0604020202020204" pitchFamily="34" charset="0"/>
-              <a:buChar char="•"/>
-            </a:pPr>
-            <a:endParaRPr lang="en-US" sz="2000" dirty="0"/>
-          </a:p>
-          <a:p>
-            <a:pPr marL="285750" indent="-285750">
-              <a:buClr>
-                <a:schemeClr val="accent2"/>
-              </a:buClr>
-              <a:buFont typeface="Arial" panose="020B0604020202020204" pitchFamily="34" charset="0"/>
-              <a:buChar char="•"/>
-            </a:pPr>
-            <a:r>
-              <a:rPr lang="en-US" sz="2000" dirty="0" err="1"/>
-              <a:t>blabla</a:t>
-            </a:r>
-            <a:endParaRPr lang="en-US" sz="2000" dirty="0"/>
-          </a:p>
-          <a:p>
-            <a:pPr marL="285750" indent="-285750">
-              <a:buClr>
-                <a:schemeClr val="accent2"/>
-              </a:buClr>
-              <a:buFont typeface="Arial" panose="020B0604020202020204" pitchFamily="34" charset="0"/>
-              <a:buChar char="•"/>
-            </a:pPr>
-            <a:endParaRPr lang="en-US" sz="2000" dirty="0"/>
-          </a:p>
           <a:p>
             <a:pPr marL="285750" indent="-285750">
               <a:buClr>
@@ -10490,6 +10544,125 @@
               <a:buChar char="•"/>
             </a:pPr>
             <a:endParaRPr lang="nl-NL" sz="2000" dirty="0"/>
+          </a:p>
+        </p:txBody>
+      </p:sp>
+      <p:sp>
+        <p:nvSpPr>
+          <p:cNvPr id="3" name="TextBox 2">
+            <a:extLst>
+              <a:ext uri="{FF2B5EF4-FFF2-40B4-BE49-F238E27FC236}">
+                <a16:creationId xmlns:a16="http://schemas.microsoft.com/office/drawing/2014/main" id="{693DFEA6-4E59-45AE-A4DA-36932E0C7895}"/>
+              </a:ext>
+            </a:extLst>
+          </p:cNvPr>
+          <p:cNvSpPr txBox="1"/>
+          <p:nvPr/>
+        </p:nvSpPr>
+        <p:spPr>
+          <a:xfrm>
+            <a:off x="1106658" y="2524320"/>
+            <a:ext cx="8189844" cy="2677656"/>
+          </a:xfrm>
+          <a:prstGeom prst="rect">
+            <a:avLst/>
+          </a:prstGeom>
+          <a:noFill/>
+        </p:spPr>
+        <p:txBody>
+          <a:bodyPr wrap="square" rtlCol="0">
+            <a:spAutoFit/>
+          </a:bodyPr>
+          <a:lstStyle/>
+          <a:p>
+            <a:pPr marL="285750" indent="-285750">
+              <a:buClr>
+                <a:schemeClr val="accent2"/>
+              </a:buClr>
+              <a:buFont typeface="Arial" panose="020B0604020202020204" pitchFamily="34" charset="0"/>
+              <a:buChar char="•"/>
+            </a:pPr>
+            <a:r>
+              <a:rPr lang="en-US" sz="2400" dirty="0"/>
+              <a:t>SPARK-PL (Java)</a:t>
+            </a:r>
+          </a:p>
+          <a:p>
+            <a:pPr marL="285750" indent="-285750">
+              <a:buClr>
+                <a:schemeClr val="accent2"/>
+              </a:buClr>
+              <a:buFont typeface="Arial" panose="020B0604020202020204" pitchFamily="34" charset="0"/>
+              <a:buChar char="•"/>
+            </a:pPr>
+            <a:r>
+              <a:rPr lang="en-US" sz="2400" dirty="0"/>
+              <a:t>2-Dimensional ABM model</a:t>
+            </a:r>
+          </a:p>
+          <a:p>
+            <a:pPr marL="285750" indent="-285750">
+              <a:buClr>
+                <a:schemeClr val="accent2"/>
+              </a:buClr>
+              <a:buFont typeface="Arial" panose="020B0604020202020204" pitchFamily="34" charset="0"/>
+              <a:buChar char="•"/>
+            </a:pPr>
+            <a:r>
+              <a:rPr lang="en-US" sz="2400" dirty="0"/>
+              <a:t>Inflammation</a:t>
+            </a:r>
+          </a:p>
+          <a:p>
+            <a:pPr marL="285750" indent="-285750">
+              <a:buClr>
+                <a:schemeClr val="accent2"/>
+              </a:buClr>
+              <a:buFont typeface="Arial" panose="020B0604020202020204" pitchFamily="34" charset="0"/>
+              <a:buChar char="•"/>
+            </a:pPr>
+            <a:endParaRPr lang="en-US" sz="2400" dirty="0"/>
+          </a:p>
+          <a:p>
+            <a:pPr marL="285750" indent="-285750">
+              <a:buClr>
+                <a:schemeClr val="accent2"/>
+              </a:buClr>
+              <a:buFont typeface="Arial" panose="020B0604020202020204" pitchFamily="34" charset="0"/>
+              <a:buChar char="•"/>
+            </a:pPr>
+            <a:r>
+              <a:rPr lang="en-US" sz="2400" dirty="0"/>
+              <a:t>Including changes in relevant cell populations (Endothelial cells, Macrophages, Neutrophils, and Fibroblasts) and their key effector cytokines (TNF-</a:t>
+            </a:r>
+            <a:r>
+              <a:rPr lang="el-GR" sz="2400" dirty="0"/>
+              <a:t>α</a:t>
+            </a:r>
+            <a:r>
+              <a:rPr lang="en-US" sz="2400" dirty="0"/>
+              <a:t>, IL-1</a:t>
+            </a:r>
+            <a:r>
+              <a:rPr lang="el-GR" sz="2400" dirty="0"/>
+              <a:t>β</a:t>
+            </a:r>
+            <a:r>
+              <a:rPr lang="en-US" sz="2400" dirty="0"/>
+              <a:t>, IL-10,</a:t>
+            </a:r>
+            <a:r>
+              <a:rPr lang="nl-NL" sz="2400" dirty="0"/>
+              <a:t>and TGF-</a:t>
+            </a:r>
+            <a:r>
+              <a:rPr lang="el-GR" sz="2400" dirty="0"/>
+              <a:t>β</a:t>
+            </a:r>
+            <a:r>
+              <a:rPr lang="nl-NL" sz="2400" dirty="0"/>
+              <a:t>1)</a:t>
+            </a:r>
           </a:p>
         </p:txBody>
       </p:sp>
@@ -10626,10 +10799,10 @@
       </p:cxnSp>
       <p:sp>
         <p:nvSpPr>
-          <p:cNvPr id="5" name="TextBox 4">
+          <p:cNvPr id="6" name="TextBox 5">
             <a:extLst>
               <a:ext uri="{FF2B5EF4-FFF2-40B4-BE49-F238E27FC236}">
-                <a16:creationId xmlns:a16="http://schemas.microsoft.com/office/drawing/2014/main" id="{A3CE2097-9055-46D4-BB9D-6469006A15C5}"/>
+                <a16:creationId xmlns:a16="http://schemas.microsoft.com/office/drawing/2014/main" id="{AD60452D-E0FB-45A5-BF31-D426D360A20A}"/>
               </a:ext>
             </a:extLst>
           </p:cNvPr>
@@ -10638,8 +10811,8 @@
         </p:nvSpPr>
         <p:spPr>
           <a:xfrm>
-            <a:off x="1338405" y="2525464"/>
-            <a:ext cx="4403188" cy="1323439"/>
+            <a:off x="1159667" y="2462490"/>
+            <a:ext cx="8189844" cy="2677656"/>
           </a:xfrm>
           <a:prstGeom prst="rect">
             <a:avLst/>
@@ -10659,7 +10832,11 @@
               <a:buFont typeface="Arial" panose="020B0604020202020204" pitchFamily="34" charset="0"/>
               <a:buChar char="•"/>
             </a:pPr>
-            <a:endParaRPr lang="en-US" sz="2000" dirty="0"/>
+            <a:r>
+              <a:rPr lang="en-US" sz="2400" dirty="0" err="1"/>
+              <a:t>Matlab</a:t>
+            </a:r>
+            <a:endParaRPr lang="en-US" sz="2400" dirty="0"/>
           </a:p>
           <a:p>
             <a:pPr marL="285750" indent="-285750">
@@ -10670,10 +10847,9 @@
               <a:buChar char="•"/>
             </a:pPr>
             <a:r>
-              <a:rPr lang="en-US" sz="2000" dirty="0" err="1"/>
-              <a:t>blabla</a:t>
-            </a:r>
-            <a:endParaRPr lang="en-US" sz="2000" dirty="0"/>
+              <a:rPr lang="en-US" sz="2400" dirty="0"/>
+              <a:t>3-Dimensional ABM model</a:t>
+            </a:r>
           </a:p>
           <a:p>
             <a:pPr marL="285750" indent="-285750">
@@ -10683,7 +10859,10 @@
               <a:buFont typeface="Arial" panose="020B0604020202020204" pitchFamily="34" charset="0"/>
               <a:buChar char="•"/>
             </a:pPr>
-            <a:endParaRPr lang="en-US" sz="2000" dirty="0"/>
+            <a:r>
+              <a:rPr lang="en-US" sz="2400" dirty="0"/>
+              <a:t>Contraction</a:t>
+            </a:r>
           </a:p>
           <a:p>
             <a:pPr marL="285750" indent="-285750">
@@ -10693,7 +10872,40 @@
               <a:buFont typeface="Arial" panose="020B0604020202020204" pitchFamily="34" charset="0"/>
               <a:buChar char="•"/>
             </a:pPr>
-            <a:endParaRPr lang="nl-NL" sz="2000" dirty="0"/>
+            <a:endParaRPr lang="en-US" sz="2400" dirty="0"/>
+          </a:p>
+          <a:p>
+            <a:pPr marL="285750" indent="-285750">
+              <a:buClr>
+                <a:schemeClr val="accent2"/>
+              </a:buClr>
+              <a:buFont typeface="Arial" panose="020B0604020202020204" pitchFamily="34" charset="0"/>
+              <a:buChar char="•"/>
+            </a:pPr>
+            <a:r>
+              <a:rPr lang="en-US" sz="2400" dirty="0"/>
+              <a:t>Including changes in relevant cell populations (</a:t>
+            </a:r>
+            <a:r>
+              <a:rPr lang="nl-NL" sz="2400" dirty="0"/>
+              <a:t>leukocytes, fibroblasts, and collagen </a:t>
+            </a:r>
+            <a:r>
+              <a:rPr lang="en-US" sz="2400" dirty="0"/>
+              <a:t>) and their key effector cytokines (</a:t>
+            </a:r>
+            <a:r>
+              <a:rPr lang="en-US" sz="2400" dirty="0" err="1"/>
+              <a:t>tPA</a:t>
+            </a:r>
+            <a:r>
+              <a:rPr lang="en-US" sz="2400" dirty="0"/>
+              <a:t>, PDGF, TGFB</a:t>
+            </a:r>
+            <a:r>
+              <a:rPr lang="nl-NL" sz="2400" dirty="0"/>
+              <a:t>)</a:t>
+            </a:r>
           </a:p>
         </p:txBody>
       </p:sp>

--- a/Notes and Primers/research proposal ppt.pptx
+++ b/Notes and Primers/research proposal ppt.pptx
@@ -8401,7 +8401,7 @@
         </p:nvSpPr>
         <p:spPr>
           <a:xfrm>
-            <a:off x="1292112" y="3630623"/>
+            <a:off x="1809458" y="4243704"/>
             <a:ext cx="9304338" cy="2562225"/>
           </a:xfrm>
         </p:spPr>
@@ -8603,7 +8603,7 @@
         </p:blipFill>
         <p:spPr>
           <a:xfrm>
-            <a:off x="1270777" y="2170630"/>
+            <a:off x="1162050" y="2196895"/>
             <a:ext cx="1294817" cy="1294817"/>
           </a:xfrm>
           <a:prstGeom prst="rect">
@@ -8693,6 +8693,82 @@
           <a:xfrm>
             <a:off x="1162050" y="1692548"/>
             <a:ext cx="5585460" cy="0"/>
+          </a:xfrm>
+          <a:prstGeom prst="line">
+            <a:avLst/>
+          </a:prstGeom>
+        </p:spPr>
+        <p:style>
+          <a:lnRef idx="3">
+            <a:schemeClr val="accent2"/>
+          </a:lnRef>
+          <a:fillRef idx="0">
+            <a:schemeClr val="accent2"/>
+          </a:fillRef>
+          <a:effectRef idx="2">
+            <a:schemeClr val="accent2"/>
+          </a:effectRef>
+          <a:fontRef idx="minor">
+            <a:schemeClr val="tx1"/>
+          </a:fontRef>
+        </p:style>
+      </p:cxnSp>
+      <p:cxnSp>
+        <p:nvCxnSpPr>
+          <p:cNvPr id="9" name="Straight Connector 8">
+            <a:extLst>
+              <a:ext uri="{FF2B5EF4-FFF2-40B4-BE49-F238E27FC236}">
+                <a16:creationId xmlns:a16="http://schemas.microsoft.com/office/drawing/2014/main" id="{E300C629-60FE-4BC5-A445-C68D3F91A67A}"/>
+              </a:ext>
+            </a:extLst>
+          </p:cNvPr>
+          <p:cNvCxnSpPr>
+            <a:cxnSpLocks/>
+          </p:cNvCxnSpPr>
+          <p:nvPr/>
+        </p:nvCxnSpPr>
+        <p:spPr>
+          <a:xfrm>
+            <a:off x="1217809" y="3614626"/>
+            <a:ext cx="1183298" cy="0"/>
+          </a:xfrm>
+          <a:prstGeom prst="line">
+            <a:avLst/>
+          </a:prstGeom>
+        </p:spPr>
+        <p:style>
+          <a:lnRef idx="3">
+            <a:schemeClr val="accent2"/>
+          </a:lnRef>
+          <a:fillRef idx="0">
+            <a:schemeClr val="accent2"/>
+          </a:fillRef>
+          <a:effectRef idx="2">
+            <a:schemeClr val="accent2"/>
+          </a:effectRef>
+          <a:fontRef idx="minor">
+            <a:schemeClr val="tx1"/>
+          </a:fontRef>
+        </p:style>
+      </p:cxnSp>
+      <p:cxnSp>
+        <p:nvCxnSpPr>
+          <p:cNvPr id="10" name="Straight Connector 9">
+            <a:extLst>
+              <a:ext uri="{FF2B5EF4-FFF2-40B4-BE49-F238E27FC236}">
+                <a16:creationId xmlns:a16="http://schemas.microsoft.com/office/drawing/2014/main" id="{938E937D-1E5B-49EE-9EE4-E80DCE2C065E}"/>
+              </a:ext>
+            </a:extLst>
+          </p:cNvPr>
+          <p:cNvCxnSpPr>
+            <a:cxnSpLocks/>
+          </p:cNvCxnSpPr>
+          <p:nvPr/>
+        </p:nvCxnSpPr>
+        <p:spPr>
+          <a:xfrm>
+            <a:off x="10143264" y="5073841"/>
+            <a:ext cx="1183298" cy="0"/>
           </a:xfrm>
           <a:prstGeom prst="line">
             <a:avLst/>
